--- a/presentations/1_LacombePetruso.pptx
+++ b/presentations/1_LacombePetruso.pptx
@@ -213,7 +213,7 @@
           <a:p>
             <a:fld id="{6ACCD18E-DBF1-4442-907D-5CC546A2FCC8}" type="datetimeFigureOut">
               <a:rPr lang="it-IT" smtClean="0"/>
-              <a:t>08/05/23</a:t>
+              <a:t>09/05/23</a:t>
             </a:fld>
             <a:endParaRPr lang="it-IT"/>
           </a:p>
@@ -795,7 +795,7 @@
           <a:p>
             <a:fld id="{656ABD56-F93A-B346-850C-5E944A54FBE8}" type="datetimeFigureOut">
               <a:rPr lang="it-IT" smtClean="0"/>
-              <a:t>08/05/23</a:t>
+              <a:t>09/05/23</a:t>
             </a:fld>
             <a:endParaRPr lang="it-IT"/>
           </a:p>
@@ -993,7 +993,7 @@
           <a:p>
             <a:fld id="{656ABD56-F93A-B346-850C-5E944A54FBE8}" type="datetimeFigureOut">
               <a:rPr lang="it-IT" smtClean="0"/>
-              <a:t>08/05/23</a:t>
+              <a:t>09/05/23</a:t>
             </a:fld>
             <a:endParaRPr lang="it-IT"/>
           </a:p>
@@ -1201,7 +1201,7 @@
           <a:p>
             <a:fld id="{656ABD56-F93A-B346-850C-5E944A54FBE8}" type="datetimeFigureOut">
               <a:rPr lang="it-IT" smtClean="0"/>
-              <a:t>08/05/23</a:t>
+              <a:t>09/05/23</a:t>
             </a:fld>
             <a:endParaRPr lang="it-IT"/>
           </a:p>
@@ -1399,7 +1399,7 @@
           <a:p>
             <a:fld id="{656ABD56-F93A-B346-850C-5E944A54FBE8}" type="datetimeFigureOut">
               <a:rPr lang="it-IT" smtClean="0"/>
-              <a:t>08/05/23</a:t>
+              <a:t>09/05/23</a:t>
             </a:fld>
             <a:endParaRPr lang="it-IT"/>
           </a:p>
@@ -1674,7 +1674,7 @@
           <a:p>
             <a:fld id="{656ABD56-F93A-B346-850C-5E944A54FBE8}" type="datetimeFigureOut">
               <a:rPr lang="it-IT" smtClean="0"/>
-              <a:t>08/05/23</a:t>
+              <a:t>09/05/23</a:t>
             </a:fld>
             <a:endParaRPr lang="it-IT"/>
           </a:p>
@@ -1939,7 +1939,7 @@
           <a:p>
             <a:fld id="{656ABD56-F93A-B346-850C-5E944A54FBE8}" type="datetimeFigureOut">
               <a:rPr lang="it-IT" smtClean="0"/>
-              <a:t>08/05/23</a:t>
+              <a:t>09/05/23</a:t>
             </a:fld>
             <a:endParaRPr lang="it-IT"/>
           </a:p>
@@ -2351,7 +2351,7 @@
           <a:p>
             <a:fld id="{656ABD56-F93A-B346-850C-5E944A54FBE8}" type="datetimeFigureOut">
               <a:rPr lang="it-IT" smtClean="0"/>
-              <a:t>08/05/23</a:t>
+              <a:t>09/05/23</a:t>
             </a:fld>
             <a:endParaRPr lang="it-IT"/>
           </a:p>
@@ -2492,7 +2492,7 @@
           <a:p>
             <a:fld id="{656ABD56-F93A-B346-850C-5E944A54FBE8}" type="datetimeFigureOut">
               <a:rPr lang="it-IT" smtClean="0"/>
-              <a:t>08/05/23</a:t>
+              <a:t>09/05/23</a:t>
             </a:fld>
             <a:endParaRPr lang="it-IT"/>
           </a:p>
@@ -2605,7 +2605,7 @@
           <a:p>
             <a:fld id="{656ABD56-F93A-B346-850C-5E944A54FBE8}" type="datetimeFigureOut">
               <a:rPr lang="it-IT" smtClean="0"/>
-              <a:t>08/05/23</a:t>
+              <a:t>09/05/23</a:t>
             </a:fld>
             <a:endParaRPr lang="it-IT"/>
           </a:p>
@@ -2916,7 +2916,7 @@
           <a:p>
             <a:fld id="{656ABD56-F93A-B346-850C-5E944A54FBE8}" type="datetimeFigureOut">
               <a:rPr lang="it-IT" smtClean="0"/>
-              <a:t>08/05/23</a:t>
+              <a:t>09/05/23</a:t>
             </a:fld>
             <a:endParaRPr lang="it-IT"/>
           </a:p>
@@ -3204,7 +3204,7 @@
           <a:p>
             <a:fld id="{656ABD56-F93A-B346-850C-5E944A54FBE8}" type="datetimeFigureOut">
               <a:rPr lang="it-IT" smtClean="0"/>
-              <a:t>08/05/23</a:t>
+              <a:t>09/05/23</a:t>
             </a:fld>
             <a:endParaRPr lang="it-IT"/>
           </a:p>
@@ -3445,7 +3445,7 @@
           <a:p>
             <a:fld id="{656ABD56-F93A-B346-850C-5E944A54FBE8}" type="datetimeFigureOut">
               <a:rPr lang="it-IT" smtClean="0"/>
-              <a:t>08/05/23</a:t>
+              <a:t>09/05/23</a:t>
             </a:fld>
             <a:endParaRPr lang="it-IT"/>
           </a:p>
@@ -6099,8 +6099,8 @@
         </p:nvSpPr>
         <p:spPr>
           <a:xfrm>
-            <a:off x="2264853" y="865048"/>
-            <a:ext cx="9786469" cy="5350696"/>
+            <a:off x="2090057" y="865048"/>
+            <a:ext cx="10101943" cy="5350696"/>
           </a:xfrm>
           <a:prstGeom prst="rect">
             <a:avLst/>
@@ -6176,7 +6176,7 @@
                 <a:cs typeface="Gill Sans Light" panose="020B0302020104020203" pitchFamily="34" charset="-79"/>
                 <a:sym typeface="Fira Sans Extra Condensed Medium"/>
               </a:rPr>
-              <a:t>(total, male, female) for 7 years </a:t>
+              <a:t>(total, male, female) for 7 timepoints </a:t>
             </a:r>
           </a:p>
           <a:p>
@@ -6203,7 +6203,7 @@
                 <a:cs typeface="Gill Sans Light" panose="020B0302020104020203" pitchFamily="34" charset="-79"/>
                 <a:sym typeface="Fira Sans Extra Condensed Medium"/>
               </a:rPr>
-              <a:t>for 6 years:</a:t>
+              <a:t>for 6 timepoints:</a:t>
             </a:r>
           </a:p>
           <a:p>
@@ -6568,7 +6568,7 @@
         </p:blipFill>
         <p:spPr>
           <a:xfrm>
-            <a:off x="2824339" y="1496374"/>
+            <a:off x="2621139" y="1525402"/>
             <a:ext cx="196069" cy="330367"/>
           </a:xfrm>
           <a:prstGeom prst="rect">
@@ -6597,7 +6597,7 @@
         </p:blipFill>
         <p:spPr>
           <a:xfrm>
-            <a:off x="2818033" y="1956125"/>
+            <a:off x="2614833" y="1985153"/>
             <a:ext cx="196069" cy="330367"/>
           </a:xfrm>
           <a:prstGeom prst="rect">
@@ -6626,7 +6626,7 @@
         </p:blipFill>
         <p:spPr>
           <a:xfrm>
-            <a:off x="2821876" y="5216974"/>
+            <a:off x="2618676" y="5216974"/>
             <a:ext cx="196069" cy="330367"/>
           </a:xfrm>
           <a:prstGeom prst="rect">
@@ -6655,7 +6655,7 @@
         </p:blipFill>
         <p:spPr>
           <a:xfrm>
-            <a:off x="2815570" y="5702125"/>
+            <a:off x="2612370" y="5702125"/>
             <a:ext cx="196069" cy="330367"/>
           </a:xfrm>
           <a:prstGeom prst="rect">

--- a/presentations/1_LacombePetruso.pptx
+++ b/presentations/1_LacombePetruso.pptx
@@ -213,7 +213,7 @@
           <a:p>
             <a:fld id="{6ACCD18E-DBF1-4442-907D-5CC546A2FCC8}" type="datetimeFigureOut">
               <a:rPr lang="it-IT" smtClean="0"/>
-              <a:t>09/05/23</a:t>
+              <a:t>10/05/23</a:t>
             </a:fld>
             <a:endParaRPr lang="it-IT"/>
           </a:p>
@@ -648,6 +648,90 @@
 </p:notes>
 </file>
 
+<file path=ppt/notesSlides/notesSlide3.xml><?xml version="1.0" encoding="utf-8"?>
+<p:notes xmlns:a="http://schemas.openxmlformats.org/drawingml/2006/main" xmlns:r="http://schemas.openxmlformats.org/officeDocument/2006/relationships" xmlns:p="http://schemas.openxmlformats.org/presentationml/2006/main">
+  <p:cSld>
+    <p:spTree>
+      <p:nvGrpSpPr>
+        <p:cNvPr id="1" name=""/>
+        <p:cNvGrpSpPr/>
+        <p:nvPr/>
+      </p:nvGrpSpPr>
+      <p:grpSpPr>
+        <a:xfrm>
+          <a:off x="0" y="0"/>
+          <a:ext cx="0" cy="0"/>
+          <a:chOff x="0" y="0"/>
+          <a:chExt cx="0" cy="0"/>
+        </a:xfrm>
+      </p:grpSpPr>
+      <p:sp>
+        <p:nvSpPr>
+          <p:cNvPr id="2" name="Segnaposto immagine diapositiva 1"/>
+          <p:cNvSpPr>
+            <a:spLocks noGrp="1" noRot="1" noChangeAspect="1"/>
+          </p:cNvSpPr>
+          <p:nvPr>
+            <p:ph type="sldImg"/>
+          </p:nvPr>
+        </p:nvSpPr>
+        <p:spPr/>
+      </p:sp>
+      <p:sp>
+        <p:nvSpPr>
+          <p:cNvPr id="3" name="Segnaposto note 2"/>
+          <p:cNvSpPr>
+            <a:spLocks noGrp="1"/>
+          </p:cNvSpPr>
+          <p:nvPr>
+            <p:ph type="body" idx="1"/>
+          </p:nvPr>
+        </p:nvSpPr>
+        <p:spPr/>
+        <p:txBody>
+          <a:bodyPr/>
+          <a:lstStyle/>
+          <a:p>
+            <a:endParaRPr lang="it-IT" dirty="0"/>
+          </a:p>
+        </p:txBody>
+      </p:sp>
+      <p:sp>
+        <p:nvSpPr>
+          <p:cNvPr id="4" name="Segnaposto numero diapositiva 3"/>
+          <p:cNvSpPr>
+            <a:spLocks noGrp="1"/>
+          </p:cNvSpPr>
+          <p:nvPr>
+            <p:ph type="sldNum" sz="quarter" idx="5"/>
+          </p:nvPr>
+        </p:nvSpPr>
+        <p:spPr/>
+        <p:txBody>
+          <a:bodyPr/>
+          <a:lstStyle/>
+          <a:p>
+            <a:fld id="{F3872780-8B82-3C4D-AD6A-DC2CFB430B45}" type="slidenum">
+              <a:rPr lang="it-IT" smtClean="0"/>
+              <a:t>5</a:t>
+            </a:fld>
+            <a:endParaRPr lang="it-IT"/>
+          </a:p>
+        </p:txBody>
+      </p:sp>
+    </p:spTree>
+    <p:extLst>
+      <p:ext uri="{BB962C8B-B14F-4D97-AF65-F5344CB8AC3E}">
+        <p14:creationId xmlns:p14="http://schemas.microsoft.com/office/powerpoint/2010/main" val="2491547619"/>
+      </p:ext>
+    </p:extLst>
+  </p:cSld>
+  <p:clrMapOvr>
+    <a:masterClrMapping/>
+  </p:clrMapOvr>
+</p:notes>
+</file>
+
 <file path=ppt/slideLayouts/slideLayout1.xml><?xml version="1.0" encoding="utf-8"?>
 <p:sldLayout xmlns:a="http://schemas.openxmlformats.org/drawingml/2006/main" xmlns:r="http://schemas.openxmlformats.org/officeDocument/2006/relationships" xmlns:p="http://schemas.openxmlformats.org/presentationml/2006/main" type="title" preserve="1">
   <p:cSld name="Diapositiva titolo">
@@ -795,7 +879,7 @@
           <a:p>
             <a:fld id="{656ABD56-F93A-B346-850C-5E944A54FBE8}" type="datetimeFigureOut">
               <a:rPr lang="it-IT" smtClean="0"/>
-              <a:t>09/05/23</a:t>
+              <a:t>10/05/23</a:t>
             </a:fld>
             <a:endParaRPr lang="it-IT"/>
           </a:p>
@@ -993,7 +1077,7 @@
           <a:p>
             <a:fld id="{656ABD56-F93A-B346-850C-5E944A54FBE8}" type="datetimeFigureOut">
               <a:rPr lang="it-IT" smtClean="0"/>
-              <a:t>09/05/23</a:t>
+              <a:t>10/05/23</a:t>
             </a:fld>
             <a:endParaRPr lang="it-IT"/>
           </a:p>
@@ -1201,7 +1285,7 @@
           <a:p>
             <a:fld id="{656ABD56-F93A-B346-850C-5E944A54FBE8}" type="datetimeFigureOut">
               <a:rPr lang="it-IT" smtClean="0"/>
-              <a:t>09/05/23</a:t>
+              <a:t>10/05/23</a:t>
             </a:fld>
             <a:endParaRPr lang="it-IT"/>
           </a:p>
@@ -1399,7 +1483,7 @@
           <a:p>
             <a:fld id="{656ABD56-F93A-B346-850C-5E944A54FBE8}" type="datetimeFigureOut">
               <a:rPr lang="it-IT" smtClean="0"/>
-              <a:t>09/05/23</a:t>
+              <a:t>10/05/23</a:t>
             </a:fld>
             <a:endParaRPr lang="it-IT"/>
           </a:p>
@@ -1674,7 +1758,7 @@
           <a:p>
             <a:fld id="{656ABD56-F93A-B346-850C-5E944A54FBE8}" type="datetimeFigureOut">
               <a:rPr lang="it-IT" smtClean="0"/>
-              <a:t>09/05/23</a:t>
+              <a:t>10/05/23</a:t>
             </a:fld>
             <a:endParaRPr lang="it-IT"/>
           </a:p>
@@ -1939,7 +2023,7 @@
           <a:p>
             <a:fld id="{656ABD56-F93A-B346-850C-5E944A54FBE8}" type="datetimeFigureOut">
               <a:rPr lang="it-IT" smtClean="0"/>
-              <a:t>09/05/23</a:t>
+              <a:t>10/05/23</a:t>
             </a:fld>
             <a:endParaRPr lang="it-IT"/>
           </a:p>
@@ -2351,7 +2435,7 @@
           <a:p>
             <a:fld id="{656ABD56-F93A-B346-850C-5E944A54FBE8}" type="datetimeFigureOut">
               <a:rPr lang="it-IT" smtClean="0"/>
-              <a:t>09/05/23</a:t>
+              <a:t>10/05/23</a:t>
             </a:fld>
             <a:endParaRPr lang="it-IT"/>
           </a:p>
@@ -2492,7 +2576,7 @@
           <a:p>
             <a:fld id="{656ABD56-F93A-B346-850C-5E944A54FBE8}" type="datetimeFigureOut">
               <a:rPr lang="it-IT" smtClean="0"/>
-              <a:t>09/05/23</a:t>
+              <a:t>10/05/23</a:t>
             </a:fld>
             <a:endParaRPr lang="it-IT"/>
           </a:p>
@@ -2605,7 +2689,7 @@
           <a:p>
             <a:fld id="{656ABD56-F93A-B346-850C-5E944A54FBE8}" type="datetimeFigureOut">
               <a:rPr lang="it-IT" smtClean="0"/>
-              <a:t>09/05/23</a:t>
+              <a:t>10/05/23</a:t>
             </a:fld>
             <a:endParaRPr lang="it-IT"/>
           </a:p>
@@ -2916,7 +3000,7 @@
           <a:p>
             <a:fld id="{656ABD56-F93A-B346-850C-5E944A54FBE8}" type="datetimeFigureOut">
               <a:rPr lang="it-IT" smtClean="0"/>
-              <a:t>09/05/23</a:t>
+              <a:t>10/05/23</a:t>
             </a:fld>
             <a:endParaRPr lang="it-IT"/>
           </a:p>
@@ -3204,7 +3288,7 @@
           <a:p>
             <a:fld id="{656ABD56-F93A-B346-850C-5E944A54FBE8}" type="datetimeFigureOut">
               <a:rPr lang="it-IT" smtClean="0"/>
-              <a:t>09/05/23</a:t>
+              <a:t>10/05/23</a:t>
             </a:fld>
             <a:endParaRPr lang="it-IT"/>
           </a:p>
@@ -3445,7 +3529,7 @@
           <a:p>
             <a:fld id="{656ABD56-F93A-B346-850C-5E944A54FBE8}" type="datetimeFigureOut">
               <a:rPr lang="it-IT" smtClean="0"/>
-              <a:t>09/05/23</a:t>
+              <a:t>10/05/23</a:t>
             </a:fld>
             <a:endParaRPr lang="it-IT"/>
           </a:p>
@@ -6904,7 +6988,7 @@
         </p:nvGrpSpPr>
         <p:grpSpPr>
           <a:xfrm>
-            <a:off x="5708738" y="2175861"/>
+            <a:off x="5708738" y="2408088"/>
             <a:ext cx="6248561" cy="3893864"/>
             <a:chOff x="5494149" y="2589900"/>
             <a:chExt cx="6248561" cy="3893864"/>
@@ -6980,7 +7064,7 @@
                 <a:defRPr/>
               </a:pPr>
               <a:r>
-                <a:rPr lang="it-IT" sz="1200" dirty="0" err="1">
+                <a:rPr lang="it-IT" sz="1200" b="1" dirty="0" err="1">
                   <a:solidFill>
                     <a:prstClr val="black"/>
                   </a:solidFill>
@@ -6989,33 +7073,9 @@
                   <a:cs typeface="Gill Sans Light" panose="020B0302020104020203" pitchFamily="34" charset="-79"/>
                   <a:sym typeface="Fira Sans Extra Condensed Medium"/>
                 </a:rPr>
-                <a:t>measured</a:t>
+                <a:t>measurements</a:t>
               </a:r>
-              <a:r>
-                <a:rPr lang="it-IT" sz="1200" dirty="0">
-                  <a:solidFill>
-                    <a:prstClr val="black"/>
-                  </a:solidFill>
-                  <a:latin typeface="Helvetica" pitchFamily="2" charset="0"/>
-                  <a:ea typeface="Fira Sans Extra Condensed Medium"/>
-                  <a:cs typeface="Gill Sans Light" panose="020B0302020104020203" pitchFamily="34" charset="-79"/>
-                  <a:sym typeface="Fira Sans Extra Condensed Medium"/>
-                </a:rPr>
-                <a:t> </a:t>
-              </a:r>
-              <a:r>
-                <a:rPr lang="it-IT" sz="1200" dirty="0" err="1">
-                  <a:solidFill>
-                    <a:prstClr val="black"/>
-                  </a:solidFill>
-                  <a:latin typeface="Helvetica" pitchFamily="2" charset="0"/>
-                  <a:ea typeface="Fira Sans Extra Condensed Medium"/>
-                  <a:cs typeface="Gill Sans Light" panose="020B0302020104020203" pitchFamily="34" charset="-79"/>
-                  <a:sym typeface="Fira Sans Extra Condensed Medium"/>
-                </a:rPr>
-                <a:t>poins</a:t>
-              </a:r>
-              <a:endParaRPr lang="it-IT" sz="1200" dirty="0">
+              <a:endParaRPr lang="it-IT" sz="1200" b="1" dirty="0">
                 <a:solidFill>
                   <a:prstClr val="black"/>
                 </a:solidFill>
@@ -7033,7 +7093,7 @@
                 <a:defRPr/>
               </a:pPr>
               <a:r>
-                <a:rPr kumimoji="0" lang="it-IT" sz="1200" i="0" u="none" strike="noStrike" kern="1200" cap="none" spc="0" normalizeH="0" baseline="0" noProof="0" dirty="0" err="1">
+                <a:rPr kumimoji="0" lang="it-IT" sz="1200" b="1" i="0" u="none" strike="noStrike" kern="1200" cap="none" spc="0" normalizeH="0" baseline="0" noProof="0" dirty="0" err="1">
                   <a:ln>
                     <a:noFill/>
                   </a:ln>
@@ -7051,7 +7111,7 @@
                 <a:t>estimated</a:t>
               </a:r>
               <a:r>
-                <a:rPr kumimoji="0" lang="it-IT" sz="1200" i="0" u="none" strike="noStrike" kern="1200" cap="none" spc="0" normalizeH="0" baseline="0" noProof="0" dirty="0">
+                <a:rPr kumimoji="0" lang="it-IT" sz="1200" b="1" i="0" u="none" strike="noStrike" kern="1200" cap="none" spc="0" normalizeH="0" baseline="0" noProof="0" dirty="0">
                   <a:ln>
                     <a:noFill/>
                   </a:ln>
@@ -7124,9 +7184,9 @@
           <a:p>
             <a:pPr algn="ctr"/>
             <a:r>
-              <a:rPr lang="it-IT" sz="2400" dirty="0" err="1">
-                <a:solidFill>
-                  <a:schemeClr val="tx1"/>
+              <a:rPr lang="it-IT" sz="2400" b="1" dirty="0" err="1">
+                <a:solidFill>
+                  <a:srgbClr val="105B8F"/>
                 </a:solidFill>
                 <a:latin typeface="Helvetica" pitchFamily="2" charset="0"/>
               </a:rPr>
@@ -7395,8 +7455,8 @@
         </p:nvSpPr>
         <p:spPr>
           <a:xfrm>
-            <a:off x="-13253" y="1315718"/>
-            <a:ext cx="12191999" cy="461665"/>
+            <a:off x="-13253" y="1127032"/>
+            <a:ext cx="12191999" cy="1138773"/>
           </a:xfrm>
           <a:prstGeom prst="rect">
             <a:avLst/>
@@ -7464,11 +7524,53 @@
               </a:rPr>
               <a:t>estimates</a:t>
             </a:r>
+            <a:endParaRPr lang="it-IT" sz="2400" b="1" dirty="0">
+              <a:latin typeface="Helvetica" pitchFamily="2" charset="0"/>
+            </a:endParaRPr>
+          </a:p>
+          <a:p>
+            <a:pPr algn="ctr"/>
+            <a:endParaRPr lang="it-IT" b="1" dirty="0">
+              <a:latin typeface="Helvetica" pitchFamily="2" charset="0"/>
+            </a:endParaRPr>
+          </a:p>
+          <a:p>
+            <a:pPr algn="ctr"/>
+            <a:r>
+              <a:rPr lang="it-IT" sz="2400" b="1" dirty="0" err="1">
+                <a:latin typeface="Helvetica" pitchFamily="2" charset="0"/>
+              </a:rPr>
+              <a:t>Assumption</a:t>
+            </a:r>
             <a:r>
               <a:rPr lang="it-IT" sz="2400" b="1" dirty="0">
                 <a:latin typeface="Helvetica" pitchFamily="2" charset="0"/>
               </a:rPr>
-              <a:t>  </a:t>
+              <a:t>:  </a:t>
+            </a:r>
+            <a:r>
+              <a:rPr lang="it-IT" sz="2400" dirty="0" err="1">
+                <a:latin typeface="Helvetica" pitchFamily="2" charset="0"/>
+              </a:rPr>
+              <a:t>smoothnes</a:t>
+            </a:r>
+            <a:r>
+              <a:rPr lang="it-IT" sz="2400" dirty="0">
+                <a:latin typeface="Helvetica" pitchFamily="2" charset="0"/>
+              </a:rPr>
+              <a:t> of the smoking </a:t>
+            </a:r>
+            <a:r>
+              <a:rPr lang="it-IT" sz="2400" dirty="0" err="1">
+                <a:latin typeface="Helvetica" pitchFamily="2" charset="0"/>
+              </a:rPr>
+              <a:t>prevalence</a:t>
+            </a:r>
+            <a:r>
+              <a:rPr lang="it-IT" sz="2400" dirty="0">
+                <a:latin typeface="Helvetica" pitchFamily="2" charset="0"/>
+              </a:rPr>
+              <a:t> trend in time</a:t>
             </a:r>
           </a:p>
         </p:txBody>
@@ -7487,8 +7589,8 @@
         </p:nvSpPr>
         <p:spPr>
           <a:xfrm>
-            <a:off x="472736" y="4465994"/>
-            <a:ext cx="4887454" cy="1057160"/>
+            <a:off x="472736" y="4199782"/>
+            <a:ext cx="4887454" cy="1603732"/>
           </a:xfrm>
           <a:prstGeom prst="roundRect">
             <a:avLst>
@@ -7531,7 +7633,7 @@
           <a:p>
             <a:pPr algn="ctr"/>
             <a:r>
-              <a:rPr lang="it-IT" sz="2400" dirty="0">
+              <a:rPr lang="it-IT" sz="2000" dirty="0">
                 <a:solidFill>
                   <a:schemeClr val="tx1"/>
                 </a:solidFill>
@@ -7540,7 +7642,7 @@
               <a:t>Alternative </a:t>
             </a:r>
             <a:r>
-              <a:rPr lang="it-IT" sz="2400" dirty="0" err="1">
+              <a:rPr lang="it-IT" sz="2000" dirty="0" err="1">
                 <a:solidFill>
                   <a:schemeClr val="tx1"/>
                 </a:solidFill>
@@ -7549,25 +7651,127 @@
               <a:t>approach</a:t>
             </a:r>
             <a:r>
-              <a:rPr lang="it-IT" sz="2400" dirty="0">
+              <a:rPr lang="it-IT" sz="2000" dirty="0">
                 <a:solidFill>
                   <a:schemeClr val="tx1"/>
                 </a:solidFill>
                 <a:latin typeface="Helvetica" pitchFamily="2" charset="0"/>
               </a:rPr>
-              <a:t>:</a:t>
-            </a:r>
-            <a:r>
-              <a:rPr lang="it-IT" sz="2400" dirty="0">
+              <a:t> to </a:t>
+            </a:r>
+            <a:r>
+              <a:rPr lang="it-IT" sz="2000" dirty="0" err="1">
+                <a:solidFill>
+                  <a:schemeClr val="tx1"/>
+                </a:solidFill>
+                <a:latin typeface="Helvetica" pitchFamily="2" charset="0"/>
+              </a:rPr>
+              <a:t>assess</a:t>
+            </a:r>
+            <a:r>
+              <a:rPr lang="it-IT" sz="2000" dirty="0">
+                <a:solidFill>
+                  <a:schemeClr val="tx1"/>
+                </a:solidFill>
+                <a:latin typeface="Helvetica" pitchFamily="2" charset="0"/>
+              </a:rPr>
+              <a:t> reliability of the </a:t>
+            </a:r>
+            <a:r>
+              <a:rPr lang="it-IT" sz="2000" dirty="0" err="1">
+                <a:solidFill>
+                  <a:schemeClr val="tx1"/>
+                </a:solidFill>
+                <a:latin typeface="Helvetica" pitchFamily="2" charset="0"/>
+              </a:rPr>
+              <a:t>previous</a:t>
+            </a:r>
+            <a:r>
+              <a:rPr lang="it-IT" sz="2000" dirty="0">
+                <a:solidFill>
+                  <a:schemeClr val="tx1"/>
+                </a:solidFill>
                 <a:latin typeface="Helvetica" pitchFamily="2" charset="0"/>
               </a:rPr>
               <a:t> </a:t>
             </a:r>
+            <a:r>
+              <a:rPr lang="it-IT" sz="2000" dirty="0" err="1">
+                <a:solidFill>
+                  <a:schemeClr val="tx1"/>
+                </a:solidFill>
+                <a:latin typeface="Helvetica" pitchFamily="2" charset="0"/>
+              </a:rPr>
+              <a:t>estimates</a:t>
+            </a:r>
+            <a:r>
+              <a:rPr lang="it-IT" sz="2000" dirty="0">
+                <a:solidFill>
+                  <a:schemeClr val="tx1"/>
+                </a:solidFill>
+                <a:latin typeface="Helvetica" pitchFamily="2" charset="0"/>
+              </a:rPr>
+              <a:t> </a:t>
+            </a:r>
           </a:p>
           <a:p>
             <a:pPr algn="ctr"/>
             <a:r>
-              <a:rPr lang="it-IT" sz="2400" b="1" dirty="0" err="1">
+              <a:rPr lang="it-IT" sz="2000" dirty="0">
+                <a:solidFill>
+                  <a:schemeClr val="tx1"/>
+                </a:solidFill>
+                <a:latin typeface="Helvetica" pitchFamily="2" charset="0"/>
+              </a:rPr>
+              <a:t>(to be </a:t>
+            </a:r>
+            <a:r>
+              <a:rPr lang="it-IT" sz="2000" dirty="0" err="1">
+                <a:solidFill>
+                  <a:schemeClr val="tx1"/>
+                </a:solidFill>
+                <a:latin typeface="Helvetica" pitchFamily="2" charset="0"/>
+              </a:rPr>
+              <a:t>tried</a:t>
+            </a:r>
+            <a:r>
+              <a:rPr lang="it-IT" sz="2000" dirty="0">
+                <a:solidFill>
+                  <a:schemeClr val="tx1"/>
+                </a:solidFill>
+                <a:latin typeface="Helvetica" pitchFamily="2" charset="0"/>
+              </a:rPr>
+              <a:t> </a:t>
+            </a:r>
+            <a:r>
+              <a:rPr lang="it-IT" sz="2000" dirty="0" err="1">
+                <a:solidFill>
+                  <a:schemeClr val="tx1"/>
+                </a:solidFill>
+                <a:latin typeface="Helvetica" pitchFamily="2" charset="0"/>
+              </a:rPr>
+              <a:t>soon</a:t>
+            </a:r>
+            <a:r>
+              <a:rPr lang="it-IT" sz="2000" dirty="0">
+                <a:solidFill>
+                  <a:schemeClr val="tx1"/>
+                </a:solidFill>
+                <a:latin typeface="Helvetica" pitchFamily="2" charset="0"/>
+              </a:rPr>
+              <a:t>):</a:t>
+            </a:r>
+            <a:r>
+              <a:rPr lang="it-IT" sz="2000" dirty="0">
+                <a:latin typeface="Helvetica" pitchFamily="2" charset="0"/>
+              </a:rPr>
+              <a:t> </a:t>
+            </a:r>
+          </a:p>
+          <a:p>
+            <a:pPr algn="ctr"/>
+            <a:r>
+              <a:rPr lang="it-IT" sz="2000" b="1" dirty="0" err="1">
                 <a:solidFill>
                   <a:srgbClr val="105B8F"/>
                 </a:solidFill>
@@ -7576,7 +7780,7 @@
               <a:t>penalised</a:t>
             </a:r>
             <a:r>
-              <a:rPr lang="it-IT" sz="2400" b="1" dirty="0">
+              <a:rPr lang="it-IT" sz="2000" b="1" dirty="0">
                 <a:solidFill>
                   <a:srgbClr val="105B8F"/>
                 </a:solidFill>
@@ -7585,7 +7789,7 @@
               <a:t> </a:t>
             </a:r>
             <a:r>
-              <a:rPr lang="it-IT" sz="2400" b="1" dirty="0" err="1">
+              <a:rPr lang="it-IT" sz="2000" b="1" dirty="0" err="1">
                 <a:solidFill>
                   <a:srgbClr val="105B8F"/>
                 </a:solidFill>
@@ -7593,7 +7797,7 @@
               </a:rPr>
               <a:t>splines</a:t>
             </a:r>
-            <a:endParaRPr lang="it-IT" sz="2400" b="1" dirty="0">
+            <a:endParaRPr lang="it-IT" sz="2000" b="1" dirty="0">
               <a:solidFill>
                 <a:srgbClr val="105B8F"/>
               </a:solidFill>
@@ -7843,8 +8047,8 @@
         </p:nvSpPr>
         <p:spPr>
           <a:xfrm>
-            <a:off x="585687" y="1146943"/>
-            <a:ext cx="10378414" cy="4994213"/>
+            <a:off x="585687" y="1132429"/>
+            <a:ext cx="11257970" cy="4994213"/>
           </a:xfrm>
           <a:prstGeom prst="rect">
             <a:avLst/>
@@ -7882,6 +8086,45 @@
                 <a:effectLst/>
                 <a:latin typeface="inherit"/>
               </a:rPr>
+              <a:t> data </a:t>
+            </a:r>
+            <a:r>
+              <a:rPr lang="it-IT" sz="2400" b="1" i="0" dirty="0" err="1">
+                <a:solidFill>
+                  <a:srgbClr val="000000"/>
+                </a:solidFill>
+                <a:effectLst/>
+                <a:latin typeface="inherit"/>
+              </a:rPr>
+              <a:t>analysis</a:t>
+            </a:r>
+            <a:r>
+              <a:rPr lang="it-IT" sz="2400" b="1" dirty="0">
+                <a:solidFill>
+                  <a:srgbClr val="000000"/>
+                </a:solidFill>
+                <a:latin typeface="inherit"/>
+              </a:rPr>
+              <a:t>, </a:t>
+            </a:r>
+            <a:r>
+              <a:rPr lang="it-IT" sz="2400" b="1" i="0" dirty="0" err="1">
+                <a:solidFill>
+                  <a:srgbClr val="000000"/>
+                </a:solidFill>
+                <a:effectLst/>
+                <a:latin typeface="inherit"/>
+              </a:rPr>
+              <a:t>preliminary</a:t>
+            </a:r>
+            <a:r>
+              <a:rPr lang="it-IT" sz="2400" b="1" i="0" dirty="0">
+                <a:solidFill>
+                  <a:srgbClr val="000000"/>
+                </a:solidFill>
+                <a:effectLst/>
+                <a:latin typeface="inherit"/>
+              </a:rPr>
               <a:t> </a:t>
             </a:r>
             <a:r>
@@ -7892,7 +8135,7 @@
                 <a:effectLst/>
                 <a:latin typeface="inherit"/>
               </a:rPr>
-              <a:t>analysis</a:t>
+              <a:t>inference</a:t>
             </a:r>
             <a:r>
               <a:rPr lang="it-IT" sz="2400" b="1" i="0" dirty="0">
@@ -7912,7 +8155,7 @@
                 <a:effectLst/>
                 <a:latin typeface="inherit"/>
               </a:rPr>
-              <a:t>preliminary</a:t>
+              <a:t>hypothesis</a:t>
             </a:r>
             <a:r>
               <a:rPr lang="it-IT" sz="2400" b="1" i="0" dirty="0">
@@ -7922,27 +8165,7 @@
                 <a:effectLst/>
                 <a:latin typeface="inherit"/>
               </a:rPr>
-              <a:t> </a:t>
-            </a:r>
-            <a:r>
-              <a:rPr lang="it-IT" sz="2400" b="1" i="0" dirty="0" err="1">
-                <a:solidFill>
-                  <a:srgbClr val="000000"/>
-                </a:solidFill>
-                <a:effectLst/>
-                <a:latin typeface="inherit"/>
-              </a:rPr>
-              <a:t>hypothesis</a:t>
-            </a:r>
-            <a:r>
-              <a:rPr lang="it-IT" sz="2400" b="1" i="0" dirty="0">
-                <a:solidFill>
-                  <a:srgbClr val="000000"/>
-                </a:solidFill>
-                <a:effectLst/>
-                <a:latin typeface="inherit"/>
-              </a:rPr>
-              <a:t> testing</a:t>
+              <a:t> testing </a:t>
             </a:r>
           </a:p>
           <a:p>
@@ -8018,7 +8241,7 @@
                 <a:effectLst/>
                 <a:latin typeface="inherit"/>
               </a:rPr>
-              <a:t> the relation </a:t>
+              <a:t> the </a:t>
             </a:r>
             <a:r>
               <a:rPr lang="it-IT" sz="2400" i="0" dirty="0" err="1">
@@ -8028,6 +8251,26 @@
                 <a:effectLst/>
                 <a:latin typeface="inherit"/>
               </a:rPr>
+              <a:t>correlation</a:t>
+            </a:r>
+            <a:r>
+              <a:rPr lang="it-IT" sz="2400" i="0" dirty="0">
+                <a:solidFill>
+                  <a:srgbClr val="000000"/>
+                </a:solidFill>
+                <a:effectLst/>
+                <a:latin typeface="inherit"/>
+              </a:rPr>
+              <a:t> </a:t>
+            </a:r>
+            <a:r>
+              <a:rPr lang="it-IT" sz="2400" i="0" dirty="0" err="1">
+                <a:solidFill>
+                  <a:srgbClr val="000000"/>
+                </a:solidFill>
+                <a:effectLst/>
+                <a:latin typeface="inherit"/>
+              </a:rPr>
               <a:t>between</a:t>
             </a:r>
             <a:r>
@@ -8049,26 +8292,6 @@
                 <a:latin typeface="inherit"/>
               </a:rPr>
               <a:t>variables</a:t>
-            </a:r>
-            <a:r>
-              <a:rPr lang="it-IT" sz="2400" i="0" dirty="0">
-                <a:solidFill>
-                  <a:srgbClr val="000000"/>
-                </a:solidFill>
-                <a:effectLst/>
-                <a:latin typeface="inherit"/>
-              </a:rPr>
-              <a:t> and smoking </a:t>
-            </a:r>
-            <a:r>
-              <a:rPr lang="it-IT" sz="2400" i="0" dirty="0" err="1">
-                <a:solidFill>
-                  <a:srgbClr val="000000"/>
-                </a:solidFill>
-                <a:effectLst/>
-                <a:latin typeface="inherit"/>
-              </a:rPr>
-              <a:t>prevalence</a:t>
             </a:r>
             <a:endParaRPr lang="it-IT" sz="2400" dirty="0">
               <a:solidFill>
@@ -8170,7 +8393,7 @@
                 <a:effectLst/>
                 <a:latin typeface="inherit"/>
               </a:rPr>
-              <a:t> data to test </a:t>
+              <a:t> data to test gender </a:t>
             </a:r>
             <a:r>
               <a:rPr lang="it-IT" sz="2400" i="0" dirty="0" err="1">
@@ -8180,7 +8403,7 @@
                 <a:effectLst/>
                 <a:latin typeface="inherit"/>
               </a:rPr>
-              <a:t>difference</a:t>
+              <a:t>differences</a:t>
             </a:r>
             <a:r>
               <a:rPr lang="it-IT" sz="2400" i="0" dirty="0">
@@ -8190,6 +8413,26 @@
                 <a:effectLst/>
                 <a:latin typeface="inherit"/>
               </a:rPr>
+              <a:t> in smoking </a:t>
+            </a:r>
+            <a:r>
+              <a:rPr lang="it-IT" sz="2400" i="0" dirty="0" err="1">
+                <a:solidFill>
+                  <a:srgbClr val="000000"/>
+                </a:solidFill>
+                <a:effectLst/>
+                <a:latin typeface="inherit"/>
+              </a:rPr>
+              <a:t>prevalence</a:t>
+            </a:r>
+            <a:r>
+              <a:rPr lang="it-IT" sz="2400" i="0" dirty="0">
+                <a:solidFill>
+                  <a:srgbClr val="000000"/>
+                </a:solidFill>
+                <a:effectLst/>
+                <a:latin typeface="inherit"/>
+              </a:rPr>
               <a:t> for men and women for </a:t>
             </a:r>
             <a:r>
@@ -8220,25 +8463,9 @@
                 <a:effectLst/>
                 <a:latin typeface="inherit"/>
               </a:rPr>
-              <a:t>years</a:t>
-            </a:r>
-            <a:r>
-              <a:rPr lang="it-IT" sz="2400" i="0" dirty="0">
-                <a:solidFill>
-                  <a:srgbClr val="000000"/>
-                </a:solidFill>
-                <a:effectLst/>
-                <a:latin typeface="inherit"/>
-              </a:rPr>
-              <a:t>  </a:t>
-            </a:r>
-          </a:p>
-          <a:p>
-            <a:pPr algn="l">
-              <a:buFont typeface="Arial" panose="020B0604020202020204" pitchFamily="34" charset="0"/>
-              <a:buChar char="•"/>
-            </a:pPr>
-            <a:endParaRPr lang="it-IT" sz="2400" b="1" i="0" dirty="0">
+              <a:t>year</a:t>
+            </a:r>
+            <a:endParaRPr lang="it-IT" sz="2400" i="0" dirty="0">
               <a:solidFill>
                 <a:srgbClr val="000000"/>
               </a:solidFill>
@@ -8247,19 +8474,202 @@
             </a:endParaRPr>
           </a:p>
           <a:p>
-            <a:pPr algn="l">
+            <a:pPr marL="800100" lvl="1" indent="-342900">
+              <a:buFont typeface="Courier New" panose="02070309020205020404" pitchFamily="49" charset="0"/>
+              <a:buChar char="o"/>
+            </a:pPr>
+            <a:r>
+              <a:rPr lang="it-IT" sz="2400" i="0" dirty="0">
+                <a:effectLst/>
+                <a:latin typeface="inherit"/>
+              </a:rPr>
+              <a:t> «Rough»</a:t>
+            </a:r>
+            <a:r>
+              <a:rPr lang="it-IT" sz="2400" b="1" i="0" dirty="0">
+                <a:effectLst/>
+                <a:latin typeface="inherit"/>
+              </a:rPr>
+              <a:t> </a:t>
+            </a:r>
+            <a:r>
+              <a:rPr lang="it-IT" sz="2400" b="1" i="0" dirty="0" err="1">
+                <a:solidFill>
+                  <a:srgbClr val="105B8F"/>
+                </a:solidFill>
+                <a:effectLst/>
+                <a:latin typeface="inherit"/>
+              </a:rPr>
+              <a:t>conformal</a:t>
+            </a:r>
+            <a:r>
+              <a:rPr lang="it-IT" sz="2400" b="1" i="0" dirty="0">
+                <a:solidFill>
+                  <a:srgbClr val="105B8F"/>
+                </a:solidFill>
+                <a:effectLst/>
+                <a:latin typeface="inherit"/>
+              </a:rPr>
+              <a:t> </a:t>
+            </a:r>
+            <a:r>
+              <a:rPr lang="it-IT" sz="2400" b="1" i="0" dirty="0" err="1">
+                <a:solidFill>
+                  <a:srgbClr val="105B8F"/>
+                </a:solidFill>
+                <a:effectLst/>
+                <a:latin typeface="inherit"/>
+              </a:rPr>
+              <a:t>prediction</a:t>
+            </a:r>
+            <a:r>
+              <a:rPr lang="it-IT" sz="2400" b="1" i="0" dirty="0">
+                <a:solidFill>
+                  <a:srgbClr val="105B8F"/>
+                </a:solidFill>
+                <a:effectLst/>
+                <a:latin typeface="inherit"/>
+              </a:rPr>
+              <a:t> </a:t>
+            </a:r>
+            <a:r>
+              <a:rPr lang="it-IT" sz="2400" b="1" i="0" dirty="0" err="1">
+                <a:solidFill>
+                  <a:srgbClr val="105B8F"/>
+                </a:solidFill>
+                <a:effectLst/>
+                <a:latin typeface="inherit"/>
+              </a:rPr>
+              <a:t>intervals</a:t>
+            </a:r>
+            <a:r>
+              <a:rPr lang="it-IT" sz="2400" b="1" i="0" dirty="0">
+                <a:solidFill>
+                  <a:srgbClr val="105B8F"/>
+                </a:solidFill>
+                <a:effectLst/>
+                <a:latin typeface="inherit"/>
+              </a:rPr>
+              <a:t> </a:t>
+            </a:r>
+            <a:r>
+              <a:rPr lang="it-IT" sz="2400" i="0" dirty="0">
+                <a:effectLst/>
+                <a:latin typeface="inherit"/>
+              </a:rPr>
+              <a:t>(</a:t>
+            </a:r>
+            <a:r>
+              <a:rPr lang="it-IT" sz="2400" i="0" dirty="0" err="1">
+                <a:effectLst/>
+                <a:latin typeface="inherit"/>
+              </a:rPr>
+              <a:t>irrespectively</a:t>
+            </a:r>
+            <a:r>
+              <a:rPr lang="it-IT" sz="2400" i="0" dirty="0">
+                <a:effectLst/>
+                <a:latin typeface="inherit"/>
+              </a:rPr>
+              <a:t> of </a:t>
+            </a:r>
+            <a:r>
+              <a:rPr lang="it-IT" sz="2400" i="0" dirty="0" err="1">
+                <a:effectLst/>
+                <a:latin typeface="inherit"/>
+              </a:rPr>
+              <a:t>year</a:t>
+            </a:r>
+            <a:r>
+              <a:rPr lang="it-IT" sz="2400" i="0" dirty="0">
+                <a:effectLst/>
+                <a:latin typeface="inherit"/>
+              </a:rPr>
+              <a:t> or country) for smoking </a:t>
+            </a:r>
+            <a:r>
+              <a:rPr lang="it-IT" sz="2400" i="0" dirty="0" err="1">
+                <a:effectLst/>
+                <a:latin typeface="inherit"/>
+              </a:rPr>
+              <a:t>prevalence</a:t>
+            </a:r>
+            <a:r>
+              <a:rPr lang="it-IT" sz="2400" i="0" dirty="0">
+                <a:effectLst/>
+                <a:latin typeface="inherit"/>
+              </a:rPr>
+              <a:t>, </a:t>
+            </a:r>
+            <a:r>
+              <a:rPr lang="it-IT" sz="2400" i="0" dirty="0" err="1">
+                <a:effectLst/>
+                <a:latin typeface="inherit"/>
+              </a:rPr>
+              <a:t>both</a:t>
+            </a:r>
+            <a:r>
+              <a:rPr lang="it-IT" sz="2400" i="0" dirty="0">
+                <a:effectLst/>
+                <a:latin typeface="inherit"/>
+              </a:rPr>
+              <a:t> overall and for </a:t>
+            </a:r>
+            <a:r>
+              <a:rPr lang="it-IT" sz="2400" i="0" dirty="0" err="1">
+                <a:effectLst/>
+                <a:latin typeface="inherit"/>
+              </a:rPr>
+              <a:t>each</a:t>
+            </a:r>
+            <a:r>
+              <a:rPr lang="it-IT" sz="2400" i="0" dirty="0">
+                <a:effectLst/>
+                <a:latin typeface="inherit"/>
+              </a:rPr>
+              <a:t> gender </a:t>
+            </a:r>
+            <a:endParaRPr lang="it-IT" sz="2400" b="1" i="0" dirty="0">
+              <a:solidFill>
+                <a:srgbClr val="105B8F"/>
+              </a:solidFill>
+              <a:effectLst/>
+              <a:latin typeface="inherit"/>
+            </a:endParaRPr>
+          </a:p>
+          <a:p>
+            <a:pPr algn="l"/>
+            <a:endParaRPr lang="it-IT" sz="2400" b="1" dirty="0">
+              <a:solidFill>
+                <a:srgbClr val="000000"/>
+              </a:solidFill>
+              <a:latin typeface="inherit"/>
+            </a:endParaRPr>
+          </a:p>
+          <a:p>
+            <a:pPr marL="342900" indent="-342900" algn="l">
               <a:buFont typeface="Arial" panose="020B0604020202020204" pitchFamily="34" charset="0"/>
               <a:buChar char="•"/>
             </a:pPr>
             <a:r>
               <a:rPr lang="it-IT" sz="2400" b="1" i="0" dirty="0">
                 <a:solidFill>
+                  <a:srgbClr val="105B8F"/>
+                </a:solidFill>
+                <a:effectLst/>
+                <a:latin typeface="inherit"/>
+              </a:rPr>
+              <a:t>GAM</a:t>
+            </a:r>
+            <a:r>
+              <a:rPr lang="it-IT" sz="2400" b="0" i="0" dirty="0">
+                <a:solidFill>
                   <a:srgbClr val="000000"/>
                 </a:solidFill>
                 <a:effectLst/>
                 <a:latin typeface="inherit"/>
               </a:rPr>
-              <a:t> </a:t>
+              <a:t> (or </a:t>
             </a:r>
             <a:r>
               <a:rPr lang="it-IT" sz="2400" b="1" i="0" dirty="0">
@@ -8269,7 +8679,7 @@
                 <a:effectLst/>
                 <a:latin typeface="inherit"/>
               </a:rPr>
-              <a:t>GAM</a:t>
+              <a:t>GAMM</a:t>
             </a:r>
             <a:r>
               <a:rPr lang="it-IT" sz="2400" b="0" i="0" dirty="0">
@@ -8279,27 +8689,7 @@
                 <a:effectLst/>
                 <a:latin typeface="inherit"/>
               </a:rPr>
-              <a:t> (or </a:t>
-            </a:r>
-            <a:r>
-              <a:rPr lang="it-IT" sz="2400" b="1" i="0" dirty="0">
-                <a:solidFill>
-                  <a:srgbClr val="105B8F"/>
-                </a:solidFill>
-                <a:effectLst/>
-                <a:latin typeface="inherit"/>
-              </a:rPr>
-              <a:t>GAMM</a:t>
-            </a:r>
-            <a:r>
-              <a:rPr lang="it-IT" sz="2400" b="0" i="0" dirty="0">
-                <a:solidFill>
-                  <a:srgbClr val="000000"/>
-                </a:solidFill>
-                <a:effectLst/>
-                <a:latin typeface="inherit"/>
-              </a:rPr>
-              <a:t>) to estimate </a:t>
+              <a:t>) to estimate the </a:t>
             </a:r>
             <a:r>
               <a:rPr lang="it-IT" sz="2400" b="0" i="0" dirty="0" err="1">
@@ -8762,7 +9152,7 @@
                 <a:effectLst/>
                 <a:latin typeface="inherit"/>
               </a:rPr>
-              <a:t>value</a:t>
+              <a:t>prevalence</a:t>
             </a:r>
             <a:r>
               <a:rPr lang="it-IT" sz="2400" b="0" i="0" dirty="0">
@@ -8772,7 +9162,7 @@
                 <a:effectLst/>
                 <a:latin typeface="inherit"/>
               </a:rPr>
-              <a:t> for 2025</a:t>
+              <a:t> in 2025</a:t>
             </a:r>
             <a:r>
               <a:rPr lang="it-IT" sz="2400" dirty="0">
@@ -8817,6 +9207,24 @@
                 </a:solidFill>
                 <a:latin typeface="inherit"/>
               </a:rPr>
+              <a:t> countries </a:t>
+            </a:r>
+            <a:r>
+              <a:rPr lang="it-IT" sz="2400" dirty="0" err="1">
+                <a:solidFill>
+                  <a:srgbClr val="000000"/>
+                </a:solidFill>
+                <a:latin typeface="inherit"/>
+              </a:rPr>
+              <a:t>will</a:t>
+            </a:r>
+            <a:r>
+              <a:rPr lang="it-IT" sz="2400" dirty="0">
+                <a:solidFill>
+                  <a:srgbClr val="000000"/>
+                </a:solidFill>
+                <a:latin typeface="inherit"/>
+              </a:rPr>
               <a:t> </a:t>
             </a:r>
             <a:r>
@@ -8826,7 +9234,7 @@
                 </a:solidFill>
                 <a:latin typeface="inherit"/>
               </a:rPr>
-              <a:t>nations</a:t>
+              <a:t>reach</a:t>
             </a:r>
             <a:r>
               <a:rPr lang="it-IT" sz="2400" dirty="0">
@@ -8835,6 +9243,42 @@
                 </a:solidFill>
                 <a:latin typeface="inherit"/>
               </a:rPr>
+              <a:t> SDG3 (</a:t>
+            </a:r>
+            <a:r>
+              <a:rPr lang="it-IT" sz="2400" dirty="0" err="1">
+                <a:solidFill>
+                  <a:srgbClr val="000000"/>
+                </a:solidFill>
+                <a:latin typeface="inherit"/>
+              </a:rPr>
+              <a:t>possibly</a:t>
+            </a:r>
+            <a:r>
+              <a:rPr lang="it-IT" sz="2400" dirty="0">
+                <a:solidFill>
+                  <a:srgbClr val="000000"/>
+                </a:solidFill>
+                <a:latin typeface="inherit"/>
+              </a:rPr>
+              <a:t> quantile-</a:t>
+            </a:r>
+            <a:r>
+              <a:rPr lang="it-IT" sz="2400" dirty="0" err="1">
+                <a:solidFill>
+                  <a:srgbClr val="000000"/>
+                </a:solidFill>
+                <a:latin typeface="inherit"/>
+              </a:rPr>
+              <a:t>based</a:t>
+            </a:r>
+            <a:r>
+              <a:rPr lang="it-IT" sz="2400" dirty="0">
+                <a:solidFill>
+                  <a:srgbClr val="000000"/>
+                </a:solidFill>
+                <a:latin typeface="inherit"/>
+              </a:rPr>
               <a:t> </a:t>
             </a:r>
             <a:r>
@@ -8844,7 +9288,7 @@
                 </a:solidFill>
                 <a:latin typeface="inherit"/>
               </a:rPr>
-              <a:t>will</a:t>
+              <a:t>conformal</a:t>
             </a:r>
             <a:r>
               <a:rPr lang="it-IT" sz="2400" dirty="0">
@@ -8862,7 +9306,7 @@
                 </a:solidFill>
                 <a:latin typeface="inherit"/>
               </a:rPr>
-              <a:t>reach</a:t>
+              <a:t>prediction</a:t>
             </a:r>
             <a:r>
               <a:rPr lang="it-IT" sz="2400" dirty="0">
@@ -8871,7 +9315,7 @@
                 </a:solidFill>
                 <a:latin typeface="inherit"/>
               </a:rPr>
-              <a:t> SDG3</a:t>
+              <a:t>)</a:t>
             </a:r>
             <a:endParaRPr lang="it-IT" sz="2400" b="0" i="0" dirty="0">
               <a:solidFill>
@@ -8898,7 +9342,7 @@
           <p:nvPr/>
         </p:nvPicPr>
         <p:blipFill>
-          <a:blip r:embed="rId2"/>
+          <a:blip r:embed="rId3"/>
           <a:stretch>
             <a:fillRect/>
           </a:stretch>
@@ -9027,13 +9471,13 @@
           <p:nvPr/>
         </p:nvPicPr>
         <p:blipFill rotWithShape="1">
-          <a:blip r:embed="rId3"/>
+          <a:blip r:embed="rId4"/>
           <a:srcRect r="83105" b="68925"/>
           <a:stretch/>
         </p:blipFill>
         <p:spPr>
           <a:xfrm>
-            <a:off x="627508" y="1267199"/>
+            <a:off x="627508" y="1075681"/>
             <a:ext cx="201505" cy="330367"/>
           </a:xfrm>
           <a:prstGeom prst="rect">
@@ -9056,13 +9500,13 @@
           <p:nvPr/>
         </p:nvPicPr>
         <p:blipFill rotWithShape="1">
-          <a:blip r:embed="rId3"/>
+          <a:blip r:embed="rId4"/>
           <a:srcRect r="83105" b="68925"/>
           <a:stretch/>
         </p:blipFill>
         <p:spPr>
           <a:xfrm>
-            <a:off x="627508" y="4541000"/>
+            <a:off x="627508" y="4671628"/>
             <a:ext cx="196069" cy="330367"/>
           </a:xfrm>
           <a:prstGeom prst="rect">
@@ -9085,13 +9529,13 @@
           <p:nvPr/>
         </p:nvPicPr>
         <p:blipFill rotWithShape="1">
-          <a:blip r:embed="rId3"/>
+          <a:blip r:embed="rId4"/>
           <a:srcRect r="83105" b="68925"/>
           <a:stretch/>
         </p:blipFill>
         <p:spPr>
           <a:xfrm>
-            <a:off x="627508" y="3463425"/>
+            <a:off x="612994" y="3594053"/>
             <a:ext cx="196069" cy="330367"/>
           </a:xfrm>
           <a:prstGeom prst="rect">
@@ -9114,13 +9558,13 @@
           <p:nvPr/>
         </p:nvPicPr>
         <p:blipFill rotWithShape="1">
-          <a:blip r:embed="rId3"/>
+          <a:blip r:embed="rId4"/>
           <a:srcRect r="83105" b="68925"/>
           <a:stretch/>
         </p:blipFill>
         <p:spPr>
           <a:xfrm>
-            <a:off x="618602" y="5399335"/>
+            <a:off x="618602" y="5428363"/>
             <a:ext cx="196069" cy="330367"/>
           </a:xfrm>
           <a:prstGeom prst="rect">

--- a/presentations/1_LacombePetruso.pptx
+++ b/presentations/1_LacombePetruso.pptx
@@ -120,7 +120,7 @@
             <a:srgbClr val="A4A3A4"/>
           </p15:clr>
         </p15:guide>
-        <p15:guide id="2" pos="3840" userDrawn="1">
+        <p15:guide id="2" pos="4656" userDrawn="1">
           <p15:clr>
             <a:srgbClr val="A4A3A4"/>
           </p15:clr>
@@ -4466,10 +4466,10 @@
         </p:nvGrpSpPr>
         <p:grpSpPr>
           <a:xfrm>
-            <a:off x="-18297" y="2038228"/>
-            <a:ext cx="9230030" cy="4819769"/>
-            <a:chOff x="-18297" y="2190628"/>
-            <a:chExt cx="9230030" cy="4819769"/>
+            <a:off x="-18298" y="2038228"/>
+            <a:ext cx="9244545" cy="4819769"/>
+            <a:chOff x="-18298" y="2190628"/>
+            <a:chExt cx="9244545" cy="4819769"/>
           </a:xfrm>
           <a:effectLst>
             <a:outerShdw blurRad="50800" dist="38100" dir="2700000" algn="tl" rotWithShape="0">
@@ -4493,8 +4493,8 @@
           </p:nvSpPr>
           <p:spPr>
             <a:xfrm>
-              <a:off x="-18297" y="2190629"/>
-              <a:ext cx="7696200" cy="4819768"/>
+              <a:off x="-18298" y="2190629"/>
+              <a:ext cx="7741455" cy="4819768"/>
             </a:xfrm>
             <a:prstGeom prst="trapezoid">
               <a:avLst>
@@ -4550,8 +4550,8 @@
           </p:nvSpPr>
           <p:spPr>
             <a:xfrm>
-              <a:off x="7677902" y="2190628"/>
-              <a:ext cx="1533831" cy="4819768"/>
+              <a:off x="7692417" y="2190628"/>
+              <a:ext cx="1533830" cy="4819768"/>
             </a:xfrm>
             <a:prstGeom prst="rtTriangle">
               <a:avLst/>
@@ -8069,101 +8069,101 @@
               <a:buChar char="•"/>
             </a:pPr>
             <a:r>
-              <a:rPr lang="it-IT" sz="2400" b="1" i="0" dirty="0" err="1">
+              <a:rPr lang="it-IT" sz="2200" b="1" i="0" dirty="0" err="1">
                 <a:solidFill>
                   <a:srgbClr val="000000"/>
                 </a:solidFill>
                 <a:effectLst/>
-                <a:latin typeface="inherit"/>
+                <a:latin typeface="Helvetica" pitchFamily="2" charset="0"/>
               </a:rPr>
               <a:t>Exploratory</a:t>
             </a:r>
             <a:r>
-              <a:rPr lang="it-IT" sz="2400" b="1" i="0" dirty="0">
+              <a:rPr lang="it-IT" sz="2200" b="1" i="0" dirty="0">
                 <a:solidFill>
                   <a:srgbClr val="000000"/>
                 </a:solidFill>
                 <a:effectLst/>
-                <a:latin typeface="inherit"/>
+                <a:latin typeface="Helvetica" pitchFamily="2" charset="0"/>
               </a:rPr>
               <a:t> data </a:t>
             </a:r>
             <a:r>
-              <a:rPr lang="it-IT" sz="2400" b="1" i="0" dirty="0" err="1">
+              <a:rPr lang="it-IT" sz="2200" b="1" i="0" dirty="0" err="1">
                 <a:solidFill>
                   <a:srgbClr val="000000"/>
                 </a:solidFill>
                 <a:effectLst/>
-                <a:latin typeface="inherit"/>
+                <a:latin typeface="Helvetica" pitchFamily="2" charset="0"/>
               </a:rPr>
               <a:t>analysis</a:t>
             </a:r>
             <a:r>
-              <a:rPr lang="it-IT" sz="2400" b="1" dirty="0">
+              <a:rPr lang="it-IT" sz="2200" b="1" dirty="0">
                 <a:solidFill>
                   <a:srgbClr val="000000"/>
                 </a:solidFill>
-                <a:latin typeface="inherit"/>
+                <a:latin typeface="Helvetica" pitchFamily="2" charset="0"/>
               </a:rPr>
               <a:t>, </a:t>
             </a:r>
             <a:r>
-              <a:rPr lang="it-IT" sz="2400" b="1" i="0" dirty="0" err="1">
+              <a:rPr lang="it-IT" sz="2200" b="1" i="0" dirty="0" err="1">
                 <a:solidFill>
                   <a:srgbClr val="000000"/>
                 </a:solidFill>
                 <a:effectLst/>
-                <a:latin typeface="inherit"/>
+                <a:latin typeface="Helvetica" pitchFamily="2" charset="0"/>
               </a:rPr>
               <a:t>preliminary</a:t>
             </a:r>
             <a:r>
-              <a:rPr lang="it-IT" sz="2400" b="1" i="0" dirty="0">
+              <a:rPr lang="it-IT" sz="2200" b="1" i="0" dirty="0">
                 <a:solidFill>
                   <a:srgbClr val="000000"/>
                 </a:solidFill>
                 <a:effectLst/>
-                <a:latin typeface="inherit"/>
+                <a:latin typeface="Helvetica" pitchFamily="2" charset="0"/>
               </a:rPr>
               <a:t> </a:t>
             </a:r>
             <a:r>
-              <a:rPr lang="it-IT" sz="2400" b="1" i="0" dirty="0" err="1">
+              <a:rPr lang="it-IT" sz="2200" b="1" i="0" dirty="0" err="1">
                 <a:solidFill>
                   <a:srgbClr val="000000"/>
                 </a:solidFill>
                 <a:effectLst/>
-                <a:latin typeface="inherit"/>
+                <a:latin typeface="Helvetica" pitchFamily="2" charset="0"/>
               </a:rPr>
               <a:t>inference</a:t>
             </a:r>
             <a:r>
-              <a:rPr lang="it-IT" sz="2400" b="1" i="0" dirty="0">
+              <a:rPr lang="it-IT" sz="2200" b="1" i="0" dirty="0">
                 <a:solidFill>
                   <a:srgbClr val="000000"/>
                 </a:solidFill>
                 <a:effectLst/>
-                <a:latin typeface="inherit"/>
+                <a:latin typeface="Helvetica" pitchFamily="2" charset="0"/>
               </a:rPr>
               <a:t> and </a:t>
             </a:r>
             <a:r>
-              <a:rPr lang="it-IT" sz="2400" b="1" i="0" dirty="0" err="1">
+              <a:rPr lang="it-IT" sz="2200" b="1" i="0" dirty="0" err="1">
                 <a:solidFill>
                   <a:srgbClr val="000000"/>
                 </a:solidFill>
                 <a:effectLst/>
-                <a:latin typeface="inherit"/>
+                <a:latin typeface="Helvetica" pitchFamily="2" charset="0"/>
               </a:rPr>
               <a:t>hypothesis</a:t>
             </a:r>
             <a:r>
-              <a:rPr lang="it-IT" sz="2400" b="1" i="0" dirty="0">
+              <a:rPr lang="it-IT" sz="2200" b="1" i="0" dirty="0">
                 <a:solidFill>
                   <a:srgbClr val="000000"/>
                 </a:solidFill>
                 <a:effectLst/>
-                <a:latin typeface="inherit"/>
+                <a:latin typeface="Helvetica" pitchFamily="2" charset="0"/>
               </a:rPr>
               <a:t> testing </a:t>
             </a:r>
@@ -8174,130 +8174,130 @@
               <a:buChar char="o"/>
             </a:pPr>
             <a:r>
-              <a:rPr lang="it-IT" sz="2400" b="1" i="0" dirty="0" err="1">
+              <a:rPr lang="it-IT" sz="2200" b="1" i="0" dirty="0" err="1">
                 <a:solidFill>
                   <a:srgbClr val="105B8F"/>
                 </a:solidFill>
                 <a:effectLst/>
-                <a:latin typeface="inherit"/>
+                <a:latin typeface="Helvetica" pitchFamily="2" charset="0"/>
               </a:rPr>
               <a:t>Spearman</a:t>
             </a:r>
             <a:r>
-              <a:rPr lang="it-IT" sz="2400" b="1" i="0" dirty="0">
+              <a:rPr lang="it-IT" sz="2200" b="1" i="0" dirty="0">
                 <a:solidFill>
                   <a:srgbClr val="105B8F"/>
                 </a:solidFill>
                 <a:effectLst/>
-                <a:latin typeface="inherit"/>
+                <a:latin typeface="Helvetica" pitchFamily="2" charset="0"/>
               </a:rPr>
               <a:t> </a:t>
             </a:r>
             <a:r>
-              <a:rPr lang="it-IT" sz="2400" b="1" i="0" dirty="0" err="1">
+              <a:rPr lang="it-IT" sz="2200" b="1" i="0" dirty="0" err="1">
                 <a:solidFill>
                   <a:srgbClr val="105B8F"/>
                 </a:solidFill>
                 <a:effectLst/>
-                <a:latin typeface="inherit"/>
+                <a:latin typeface="Helvetica" pitchFamily="2" charset="0"/>
               </a:rPr>
               <a:t>Correlation</a:t>
             </a:r>
             <a:r>
-              <a:rPr lang="it-IT" sz="2400" b="1" i="0" dirty="0">
+              <a:rPr lang="it-IT" sz="2200" b="1" i="0" dirty="0">
                 <a:solidFill>
                   <a:srgbClr val="105B8F"/>
                 </a:solidFill>
                 <a:effectLst/>
-                <a:latin typeface="inherit"/>
+                <a:latin typeface="Helvetica" pitchFamily="2" charset="0"/>
               </a:rPr>
               <a:t> </a:t>
             </a:r>
             <a:r>
-              <a:rPr lang="it-IT" sz="2400" i="0" dirty="0">
+              <a:rPr lang="it-IT" sz="2200" i="0" dirty="0">
                 <a:solidFill>
                   <a:srgbClr val="000000"/>
                 </a:solidFill>
                 <a:effectLst/>
-                <a:latin typeface="inherit"/>
+                <a:latin typeface="Helvetica" pitchFamily="2" charset="0"/>
               </a:rPr>
               <a:t>to </a:t>
             </a:r>
             <a:r>
-              <a:rPr lang="it-IT" sz="2400" i="0" dirty="0" err="1">
+              <a:rPr lang="it-IT" sz="2200" i="0" dirty="0" err="1">
                 <a:solidFill>
                   <a:srgbClr val="000000"/>
                 </a:solidFill>
                 <a:effectLst/>
-                <a:latin typeface="inherit"/>
+                <a:latin typeface="Helvetica" pitchFamily="2" charset="0"/>
               </a:rPr>
               <a:t>assess</a:t>
             </a:r>
             <a:r>
-              <a:rPr lang="it-IT" sz="2400" i="0" dirty="0">
+              <a:rPr lang="it-IT" sz="2200" i="0" dirty="0">
                 <a:solidFill>
                   <a:srgbClr val="000000"/>
                 </a:solidFill>
                 <a:effectLst/>
-                <a:latin typeface="inherit"/>
+                <a:latin typeface="Helvetica" pitchFamily="2" charset="0"/>
               </a:rPr>
               <a:t> the </a:t>
             </a:r>
             <a:r>
-              <a:rPr lang="it-IT" sz="2400" i="0" dirty="0" err="1">
+              <a:rPr lang="it-IT" sz="2200" i="0" dirty="0" err="1">
                 <a:solidFill>
                   <a:srgbClr val="000000"/>
                 </a:solidFill>
                 <a:effectLst/>
-                <a:latin typeface="inherit"/>
+                <a:latin typeface="Helvetica" pitchFamily="2" charset="0"/>
               </a:rPr>
               <a:t>correlation</a:t>
             </a:r>
             <a:r>
-              <a:rPr lang="it-IT" sz="2400" i="0" dirty="0">
+              <a:rPr lang="it-IT" sz="2200" i="0" dirty="0">
                 <a:solidFill>
                   <a:srgbClr val="000000"/>
                 </a:solidFill>
                 <a:effectLst/>
-                <a:latin typeface="inherit"/>
+                <a:latin typeface="Helvetica" pitchFamily="2" charset="0"/>
               </a:rPr>
               <a:t> </a:t>
             </a:r>
             <a:r>
-              <a:rPr lang="it-IT" sz="2400" i="0" dirty="0" err="1">
+              <a:rPr lang="it-IT" sz="2200" i="0" dirty="0" err="1">
                 <a:solidFill>
                   <a:srgbClr val="000000"/>
                 </a:solidFill>
                 <a:effectLst/>
-                <a:latin typeface="inherit"/>
+                <a:latin typeface="Helvetica" pitchFamily="2" charset="0"/>
               </a:rPr>
               <a:t>between</a:t>
             </a:r>
             <a:r>
-              <a:rPr lang="it-IT" sz="2400" i="0" dirty="0">
+              <a:rPr lang="it-IT" sz="2200" i="0" dirty="0">
                 <a:solidFill>
                   <a:srgbClr val="000000"/>
                 </a:solidFill>
                 <a:effectLst/>
-                <a:latin typeface="inherit"/>
+                <a:latin typeface="Helvetica" pitchFamily="2" charset="0"/>
               </a:rPr>
               <a:t> </a:t>
             </a:r>
             <a:r>
-              <a:rPr lang="it-IT" sz="2400" i="0" dirty="0" err="1">
+              <a:rPr lang="it-IT" sz="2200" i="0" dirty="0" err="1">
                 <a:solidFill>
                   <a:srgbClr val="000000"/>
                 </a:solidFill>
                 <a:effectLst/>
-                <a:latin typeface="inherit"/>
+                <a:latin typeface="Helvetica" pitchFamily="2" charset="0"/>
               </a:rPr>
               <a:t>variables</a:t>
             </a:r>
-            <a:endParaRPr lang="it-IT" sz="2400" dirty="0">
+            <a:endParaRPr lang="it-IT" sz="2200" dirty="0">
               <a:solidFill>
                 <a:srgbClr val="000000"/>
               </a:solidFill>
-              <a:latin typeface="inherit"/>
+              <a:latin typeface="Helvetica" pitchFamily="2" charset="0"/>
             </a:endParaRPr>
           </a:p>
           <a:p>
@@ -8306,171 +8306,171 @@
               <a:buChar char="o"/>
             </a:pPr>
             <a:r>
-              <a:rPr lang="it-IT" sz="2400" b="1" i="0" dirty="0" err="1">
+              <a:rPr lang="it-IT" sz="2200" b="1" i="0" dirty="0" err="1">
                 <a:solidFill>
                   <a:srgbClr val="105B8F"/>
                 </a:solidFill>
                 <a:effectLst/>
-                <a:latin typeface="inherit"/>
+                <a:latin typeface="Helvetica" pitchFamily="2" charset="0"/>
               </a:rPr>
               <a:t>Permutational</a:t>
             </a:r>
             <a:r>
-              <a:rPr lang="it-IT" sz="2400" b="1" i="0" dirty="0">
+              <a:rPr lang="it-IT" sz="2200" b="1" i="0" dirty="0">
                 <a:solidFill>
                   <a:srgbClr val="105B8F"/>
                 </a:solidFill>
                 <a:effectLst/>
-                <a:latin typeface="inherit"/>
+                <a:latin typeface="Helvetica" pitchFamily="2" charset="0"/>
               </a:rPr>
               <a:t> </a:t>
             </a:r>
             <a:r>
-              <a:rPr lang="it-IT" sz="2400" b="1" i="0" dirty="0" err="1">
+              <a:rPr lang="it-IT" sz="2200" b="1" i="0" dirty="0" err="1">
                 <a:solidFill>
                   <a:srgbClr val="105B8F"/>
                 </a:solidFill>
                 <a:effectLst/>
-                <a:latin typeface="inherit"/>
+                <a:latin typeface="Helvetica" pitchFamily="2" charset="0"/>
               </a:rPr>
               <a:t>tests</a:t>
             </a:r>
             <a:r>
-              <a:rPr lang="it-IT" sz="2400" b="1" i="0" dirty="0">
+              <a:rPr lang="it-IT" sz="2200" b="1" i="0" dirty="0">
                 <a:solidFill>
                   <a:srgbClr val="105B8F"/>
                 </a:solidFill>
                 <a:effectLst/>
-                <a:latin typeface="inherit"/>
+                <a:latin typeface="Helvetica" pitchFamily="2" charset="0"/>
               </a:rPr>
               <a:t> </a:t>
             </a:r>
             <a:r>
-              <a:rPr lang="it-IT" sz="2400" i="0" dirty="0">
+              <a:rPr lang="it-IT" sz="2200" i="0" dirty="0">
                 <a:solidFill>
                   <a:srgbClr val="000000"/>
                 </a:solidFill>
                 <a:effectLst/>
-                <a:latin typeface="inherit"/>
+                <a:latin typeface="Helvetica" pitchFamily="2" charset="0"/>
               </a:rPr>
               <a:t>for </a:t>
             </a:r>
             <a:r>
-              <a:rPr lang="it-IT" sz="2400" i="0" dirty="0" err="1">
+              <a:rPr lang="it-IT" sz="2200" i="0" dirty="0" err="1">
                 <a:solidFill>
                   <a:srgbClr val="000000"/>
                 </a:solidFill>
                 <a:effectLst/>
-                <a:latin typeface="inherit"/>
+                <a:latin typeface="Helvetica" pitchFamily="2" charset="0"/>
               </a:rPr>
               <a:t>paired</a:t>
             </a:r>
             <a:r>
-              <a:rPr lang="it-IT" sz="2400" i="0" dirty="0">
+              <a:rPr lang="it-IT" sz="2200" i="0" dirty="0">
                 <a:solidFill>
                   <a:srgbClr val="000000"/>
                 </a:solidFill>
                 <a:effectLst/>
-                <a:latin typeface="inherit"/>
+                <a:latin typeface="Helvetica" pitchFamily="2" charset="0"/>
               </a:rPr>
               <a:t> </a:t>
             </a:r>
             <a:r>
-              <a:rPr lang="it-IT" sz="2400" i="0" dirty="0" err="1">
+              <a:rPr lang="it-IT" sz="2200" i="0" dirty="0" err="1">
                 <a:solidFill>
                   <a:srgbClr val="000000"/>
                 </a:solidFill>
                 <a:effectLst/>
-                <a:latin typeface="inherit"/>
+                <a:latin typeface="Helvetica" pitchFamily="2" charset="0"/>
               </a:rPr>
               <a:t>univariate</a:t>
             </a:r>
             <a:r>
-              <a:rPr lang="it-IT" sz="2400" i="0" dirty="0">
+              <a:rPr lang="it-IT" sz="2200" i="0" dirty="0">
                 <a:solidFill>
                   <a:srgbClr val="000000"/>
                 </a:solidFill>
                 <a:effectLst/>
-                <a:latin typeface="inherit"/>
+                <a:latin typeface="Helvetica" pitchFamily="2" charset="0"/>
               </a:rPr>
               <a:t> data to test gender </a:t>
             </a:r>
             <a:r>
-              <a:rPr lang="it-IT" sz="2400" i="0" dirty="0" err="1">
+              <a:rPr lang="it-IT" sz="2200" i="0" dirty="0" err="1">
                 <a:solidFill>
                   <a:srgbClr val="000000"/>
                 </a:solidFill>
                 <a:effectLst/>
-                <a:latin typeface="inherit"/>
+                <a:latin typeface="Helvetica" pitchFamily="2" charset="0"/>
               </a:rPr>
               <a:t>differences</a:t>
             </a:r>
             <a:r>
-              <a:rPr lang="it-IT" sz="2400" i="0" dirty="0">
+              <a:rPr lang="it-IT" sz="2200" i="0" dirty="0">
                 <a:solidFill>
                   <a:srgbClr val="000000"/>
                 </a:solidFill>
                 <a:effectLst/>
-                <a:latin typeface="inherit"/>
+                <a:latin typeface="Helvetica" pitchFamily="2" charset="0"/>
               </a:rPr>
               <a:t> in smoking </a:t>
             </a:r>
             <a:r>
-              <a:rPr lang="it-IT" sz="2400" i="0" dirty="0" err="1">
+              <a:rPr lang="it-IT" sz="2200" i="0" dirty="0" err="1">
                 <a:solidFill>
                   <a:srgbClr val="000000"/>
                 </a:solidFill>
                 <a:effectLst/>
-                <a:latin typeface="inherit"/>
+                <a:latin typeface="Helvetica" pitchFamily="2" charset="0"/>
               </a:rPr>
               <a:t>prevalence</a:t>
             </a:r>
             <a:r>
-              <a:rPr lang="it-IT" sz="2400" i="0" dirty="0">
+              <a:rPr lang="it-IT" sz="2200" i="0" dirty="0">
                 <a:solidFill>
                   <a:srgbClr val="000000"/>
                 </a:solidFill>
                 <a:effectLst/>
-                <a:latin typeface="inherit"/>
+                <a:latin typeface="Helvetica" pitchFamily="2" charset="0"/>
               </a:rPr>
               <a:t> for men and women for </a:t>
             </a:r>
             <a:r>
-              <a:rPr lang="it-IT" sz="2400" i="0" dirty="0" err="1">
+              <a:rPr lang="it-IT" sz="2200" i="0" dirty="0" err="1">
                 <a:solidFill>
                   <a:srgbClr val="000000"/>
                 </a:solidFill>
                 <a:effectLst/>
-                <a:latin typeface="inherit"/>
+                <a:latin typeface="Helvetica" pitchFamily="2" charset="0"/>
               </a:rPr>
               <a:t>each</a:t>
             </a:r>
             <a:r>
-              <a:rPr lang="it-IT" sz="2400" i="0" dirty="0">
+              <a:rPr lang="it-IT" sz="2200" i="0" dirty="0">
                 <a:solidFill>
                   <a:srgbClr val="000000"/>
                 </a:solidFill>
                 <a:effectLst/>
-                <a:latin typeface="inherit"/>
+                <a:latin typeface="Helvetica" pitchFamily="2" charset="0"/>
               </a:rPr>
               <a:t> </a:t>
             </a:r>
             <a:r>
-              <a:rPr lang="it-IT" sz="2400" i="0" dirty="0" err="1">
+              <a:rPr lang="it-IT" sz="2200" i="0" dirty="0" err="1">
                 <a:solidFill>
                   <a:srgbClr val="000000"/>
                 </a:solidFill>
                 <a:effectLst/>
-                <a:latin typeface="inherit"/>
+                <a:latin typeface="Helvetica" pitchFamily="2" charset="0"/>
               </a:rPr>
               <a:t>year</a:t>
             </a:r>
-            <a:endParaRPr lang="it-IT" sz="2400" i="0" dirty="0">
+            <a:endParaRPr lang="it-IT" sz="2200" i="0" dirty="0">
               <a:solidFill>
                 <a:srgbClr val="000000"/>
               </a:solidFill>
               <a:effectLst/>
-              <a:latin typeface="inherit"/>
+              <a:latin typeface="Helvetica" pitchFamily="2" charset="0"/>
             </a:endParaRPr>
           </a:p>
           <a:p>
@@ -8479,171 +8479,171 @@
               <a:buChar char="o"/>
             </a:pPr>
             <a:r>
-              <a:rPr lang="it-IT" sz="2400" i="0" dirty="0">
+              <a:rPr lang="it-IT" sz="2200" i="0" dirty="0">
                 <a:effectLst/>
-                <a:latin typeface="inherit"/>
+                <a:latin typeface="Helvetica" pitchFamily="2" charset="0"/>
               </a:rPr>
               <a:t> «Rough»</a:t>
             </a:r>
             <a:r>
-              <a:rPr lang="it-IT" sz="2400" b="1" i="0" dirty="0">
+              <a:rPr lang="it-IT" sz="2200" b="1" i="0" dirty="0">
                 <a:effectLst/>
-                <a:latin typeface="inherit"/>
+                <a:latin typeface="Helvetica" pitchFamily="2" charset="0"/>
               </a:rPr>
               <a:t> </a:t>
             </a:r>
             <a:r>
-              <a:rPr lang="it-IT" sz="2400" b="1" i="0" dirty="0" err="1">
+              <a:rPr lang="it-IT" sz="2200" b="1" i="0" dirty="0" err="1">
                 <a:solidFill>
                   <a:srgbClr val="105B8F"/>
                 </a:solidFill>
                 <a:effectLst/>
-                <a:latin typeface="inherit"/>
+                <a:latin typeface="Helvetica" pitchFamily="2" charset="0"/>
               </a:rPr>
               <a:t>conformal</a:t>
             </a:r>
             <a:r>
-              <a:rPr lang="it-IT" sz="2400" b="1" i="0" dirty="0">
+              <a:rPr lang="it-IT" sz="2200" b="1" i="0" dirty="0">
                 <a:solidFill>
                   <a:srgbClr val="105B8F"/>
                 </a:solidFill>
                 <a:effectLst/>
-                <a:latin typeface="inherit"/>
+                <a:latin typeface="Helvetica" pitchFamily="2" charset="0"/>
               </a:rPr>
               <a:t> </a:t>
             </a:r>
             <a:r>
-              <a:rPr lang="it-IT" sz="2400" b="1" i="0" dirty="0" err="1">
+              <a:rPr lang="it-IT" sz="2200" b="1" i="0" dirty="0" err="1">
                 <a:solidFill>
                   <a:srgbClr val="105B8F"/>
                 </a:solidFill>
                 <a:effectLst/>
-                <a:latin typeface="inherit"/>
+                <a:latin typeface="Helvetica" pitchFamily="2" charset="0"/>
               </a:rPr>
               <a:t>prediction</a:t>
             </a:r>
             <a:r>
-              <a:rPr lang="it-IT" sz="2400" b="1" i="0" dirty="0">
+              <a:rPr lang="it-IT" sz="2200" b="1" i="0" dirty="0">
                 <a:solidFill>
                   <a:srgbClr val="105B8F"/>
                 </a:solidFill>
                 <a:effectLst/>
-                <a:latin typeface="inherit"/>
+                <a:latin typeface="Helvetica" pitchFamily="2" charset="0"/>
               </a:rPr>
               <a:t> </a:t>
             </a:r>
             <a:r>
-              <a:rPr lang="it-IT" sz="2400" b="1" i="0" dirty="0" err="1">
+              <a:rPr lang="it-IT" sz="2200" b="1" i="0" dirty="0" err="1">
                 <a:solidFill>
                   <a:srgbClr val="105B8F"/>
                 </a:solidFill>
                 <a:effectLst/>
-                <a:latin typeface="inherit"/>
+                <a:latin typeface="Helvetica" pitchFamily="2" charset="0"/>
               </a:rPr>
               <a:t>intervals</a:t>
             </a:r>
             <a:r>
-              <a:rPr lang="it-IT" sz="2400" b="1" i="0" dirty="0">
+              <a:rPr lang="it-IT" sz="2200" b="1" i="0" dirty="0">
                 <a:solidFill>
                   <a:srgbClr val="105B8F"/>
                 </a:solidFill>
                 <a:effectLst/>
-                <a:latin typeface="inherit"/>
+                <a:latin typeface="Helvetica" pitchFamily="2" charset="0"/>
               </a:rPr>
               <a:t> </a:t>
             </a:r>
             <a:r>
-              <a:rPr lang="it-IT" sz="2400" i="0" dirty="0">
+              <a:rPr lang="it-IT" sz="2200" i="0" dirty="0">
                 <a:effectLst/>
-                <a:latin typeface="inherit"/>
+                <a:latin typeface="Helvetica" pitchFamily="2" charset="0"/>
               </a:rPr>
               <a:t>(</a:t>
             </a:r>
             <a:r>
-              <a:rPr lang="it-IT" sz="2400" i="0" dirty="0" err="1">
+              <a:rPr lang="it-IT" sz="2200" i="0" dirty="0" err="1">
                 <a:effectLst/>
-                <a:latin typeface="inherit"/>
+                <a:latin typeface="Helvetica" pitchFamily="2" charset="0"/>
               </a:rPr>
               <a:t>irrespectively</a:t>
             </a:r>
             <a:r>
-              <a:rPr lang="it-IT" sz="2400" i="0" dirty="0">
+              <a:rPr lang="it-IT" sz="2200" i="0" dirty="0">
                 <a:effectLst/>
-                <a:latin typeface="inherit"/>
+                <a:latin typeface="Helvetica" pitchFamily="2" charset="0"/>
               </a:rPr>
               <a:t> of </a:t>
             </a:r>
             <a:r>
-              <a:rPr lang="it-IT" sz="2400" i="0" dirty="0" err="1">
+              <a:rPr lang="it-IT" sz="2200" i="0" dirty="0" err="1">
                 <a:effectLst/>
-                <a:latin typeface="inherit"/>
+                <a:latin typeface="Helvetica" pitchFamily="2" charset="0"/>
               </a:rPr>
               <a:t>year</a:t>
             </a:r>
             <a:r>
-              <a:rPr lang="it-IT" sz="2400" i="0" dirty="0">
+              <a:rPr lang="it-IT" sz="2200" i="0" dirty="0">
                 <a:effectLst/>
-                <a:latin typeface="inherit"/>
+                <a:latin typeface="Helvetica" pitchFamily="2" charset="0"/>
               </a:rPr>
               <a:t> or country) for smoking </a:t>
             </a:r>
             <a:r>
-              <a:rPr lang="it-IT" sz="2400" i="0" dirty="0" err="1">
+              <a:rPr lang="it-IT" sz="2200" i="0" dirty="0" err="1">
                 <a:effectLst/>
-                <a:latin typeface="inherit"/>
+                <a:latin typeface="Helvetica" pitchFamily="2" charset="0"/>
               </a:rPr>
               <a:t>prevalence</a:t>
             </a:r>
             <a:r>
-              <a:rPr lang="it-IT" sz="2400" i="0" dirty="0">
+              <a:rPr lang="it-IT" sz="2200" i="0" dirty="0">
                 <a:effectLst/>
-                <a:latin typeface="inherit"/>
+                <a:latin typeface="Helvetica" pitchFamily="2" charset="0"/>
               </a:rPr>
               <a:t>, </a:t>
             </a:r>
             <a:r>
-              <a:rPr lang="it-IT" sz="2400" i="0" dirty="0" err="1">
+              <a:rPr lang="it-IT" sz="2200" i="0" dirty="0" err="1">
                 <a:effectLst/>
-                <a:latin typeface="inherit"/>
+                <a:latin typeface="Helvetica" pitchFamily="2" charset="0"/>
               </a:rPr>
               <a:t>both</a:t>
             </a:r>
             <a:r>
-              <a:rPr lang="it-IT" sz="2400" i="0" dirty="0">
+              <a:rPr lang="it-IT" sz="2200" i="0" dirty="0">
                 <a:effectLst/>
-                <a:latin typeface="inherit"/>
+                <a:latin typeface="Helvetica" pitchFamily="2" charset="0"/>
               </a:rPr>
               <a:t> overall and for </a:t>
             </a:r>
             <a:r>
-              <a:rPr lang="it-IT" sz="2400" i="0" dirty="0" err="1">
+              <a:rPr lang="it-IT" sz="2200" i="0" dirty="0" err="1">
                 <a:effectLst/>
-                <a:latin typeface="inherit"/>
+                <a:latin typeface="Helvetica" pitchFamily="2" charset="0"/>
               </a:rPr>
               <a:t>each</a:t>
             </a:r>
             <a:r>
-              <a:rPr lang="it-IT" sz="2400" i="0" dirty="0">
+              <a:rPr lang="it-IT" sz="2200" i="0" dirty="0">
                 <a:effectLst/>
-                <a:latin typeface="inherit"/>
+                <a:latin typeface="Helvetica" pitchFamily="2" charset="0"/>
               </a:rPr>
               <a:t> gender </a:t>
             </a:r>
-            <a:endParaRPr lang="it-IT" sz="2400" b="1" i="0" dirty="0">
+            <a:endParaRPr lang="it-IT" sz="2200" b="1" i="0" dirty="0">
               <a:solidFill>
                 <a:srgbClr val="105B8F"/>
               </a:solidFill>
               <a:effectLst/>
-              <a:latin typeface="inherit"/>
+              <a:latin typeface="Helvetica" pitchFamily="2" charset="0"/>
             </a:endParaRPr>
           </a:p>
           <a:p>
             <a:pPr algn="l"/>
-            <a:endParaRPr lang="it-IT" sz="2400" b="1" dirty="0">
+            <a:endParaRPr lang="it-IT" sz="2200" b="1" dirty="0">
               <a:solidFill>
                 <a:srgbClr val="000000"/>
               </a:solidFill>
-              <a:latin typeface="inherit"/>
+              <a:latin typeface="Helvetica" pitchFamily="2" charset="0"/>
             </a:endParaRPr>
           </a:p>
           <a:p>
@@ -8652,250 +8652,250 @@
               <a:buChar char="•"/>
             </a:pPr>
             <a:r>
-              <a:rPr lang="it-IT" sz="2400" b="1" i="0" dirty="0">
+              <a:rPr lang="it-IT" sz="2200" b="1" i="0" dirty="0">
                 <a:solidFill>
                   <a:srgbClr val="105B8F"/>
                 </a:solidFill>
                 <a:effectLst/>
-                <a:latin typeface="inherit"/>
+                <a:latin typeface="Helvetica" pitchFamily="2" charset="0"/>
               </a:rPr>
               <a:t>GAM</a:t>
             </a:r>
             <a:r>
-              <a:rPr lang="it-IT" sz="2400" b="0" i="0" dirty="0">
+              <a:rPr lang="it-IT" sz="2200" b="0" i="0" dirty="0">
                 <a:solidFill>
                   <a:srgbClr val="000000"/>
                 </a:solidFill>
                 <a:effectLst/>
-                <a:latin typeface="inherit"/>
+                <a:latin typeface="Helvetica" pitchFamily="2" charset="0"/>
               </a:rPr>
               <a:t> (or </a:t>
             </a:r>
             <a:r>
-              <a:rPr lang="it-IT" sz="2400" b="1" i="0" dirty="0">
+              <a:rPr lang="it-IT" sz="2200" b="1" i="0" dirty="0">
                 <a:solidFill>
                   <a:srgbClr val="105B8F"/>
                 </a:solidFill>
                 <a:effectLst/>
-                <a:latin typeface="inherit"/>
+                <a:latin typeface="Helvetica" pitchFamily="2" charset="0"/>
               </a:rPr>
               <a:t>GAMM</a:t>
             </a:r>
             <a:r>
-              <a:rPr lang="it-IT" sz="2400" b="0" i="0" dirty="0">
+              <a:rPr lang="it-IT" sz="2200" b="0" i="0" dirty="0">
                 <a:solidFill>
                   <a:srgbClr val="000000"/>
                 </a:solidFill>
                 <a:effectLst/>
-                <a:latin typeface="inherit"/>
+                <a:latin typeface="Helvetica" pitchFamily="2" charset="0"/>
               </a:rPr>
               <a:t>) to estimate the </a:t>
             </a:r>
             <a:r>
-              <a:rPr lang="it-IT" sz="2400" b="0" i="0" dirty="0" err="1">
+              <a:rPr lang="it-IT" sz="2200" b="0" i="0" dirty="0" err="1">
                 <a:solidFill>
                   <a:srgbClr val="000000"/>
                 </a:solidFill>
                 <a:effectLst/>
-                <a:latin typeface="inherit"/>
+                <a:latin typeface="Helvetica" pitchFamily="2" charset="0"/>
               </a:rPr>
               <a:t>prevalence</a:t>
             </a:r>
             <a:r>
-              <a:rPr lang="it-IT" sz="2400" b="0" i="0" dirty="0">
+              <a:rPr lang="it-IT" sz="2200" b="0" i="0" dirty="0">
                 <a:solidFill>
                   <a:srgbClr val="000000"/>
                 </a:solidFill>
                 <a:effectLst/>
-                <a:latin typeface="inherit"/>
+                <a:latin typeface="Helvetica" pitchFamily="2" charset="0"/>
               </a:rPr>
               <a:t> of </a:t>
             </a:r>
             <a:r>
-              <a:rPr lang="it-IT" sz="2400" b="0" i="0" dirty="0" err="1">
+              <a:rPr lang="it-IT" sz="2200" b="0" i="0" dirty="0" err="1">
                 <a:solidFill>
                   <a:srgbClr val="000000"/>
                 </a:solidFill>
                 <a:effectLst/>
-                <a:latin typeface="inherit"/>
+                <a:latin typeface="Helvetica" pitchFamily="2" charset="0"/>
               </a:rPr>
               <a:t>tobacco</a:t>
             </a:r>
             <a:r>
-              <a:rPr lang="it-IT" sz="2400" b="0" i="0" dirty="0">
+              <a:rPr lang="it-IT" sz="2200" b="0" i="0" dirty="0">
                 <a:solidFill>
                   <a:srgbClr val="000000"/>
                 </a:solidFill>
                 <a:effectLst/>
-                <a:latin typeface="inherit"/>
+                <a:latin typeface="Helvetica" pitchFamily="2" charset="0"/>
               </a:rPr>
               <a:t> </a:t>
             </a:r>
             <a:r>
-              <a:rPr lang="it-IT" sz="2400" b="0" i="0" dirty="0" err="1">
+              <a:rPr lang="it-IT" sz="2200" b="0" i="0" dirty="0" err="1">
                 <a:solidFill>
                   <a:srgbClr val="000000"/>
                 </a:solidFill>
                 <a:effectLst/>
-                <a:latin typeface="inherit"/>
+                <a:latin typeface="Helvetica" pitchFamily="2" charset="0"/>
               </a:rPr>
               <a:t>consumption</a:t>
             </a:r>
             <a:r>
-              <a:rPr lang="it-IT" sz="2400" b="0" i="0" dirty="0">
+              <a:rPr lang="it-IT" sz="2200" b="0" i="0" dirty="0">
                 <a:solidFill>
                   <a:srgbClr val="000000"/>
                 </a:solidFill>
                 <a:effectLst/>
-                <a:latin typeface="inherit"/>
+                <a:latin typeface="Helvetica" pitchFamily="2" charset="0"/>
               </a:rPr>
               <a:t> </a:t>
             </a:r>
             <a:r>
-              <a:rPr lang="it-IT" sz="2400" b="0" i="0" dirty="0" err="1">
+              <a:rPr lang="it-IT" sz="2200" b="0" i="0" dirty="0" err="1">
                 <a:solidFill>
                   <a:srgbClr val="000000"/>
                 </a:solidFill>
                 <a:effectLst/>
-                <a:latin typeface="inherit"/>
+                <a:latin typeface="Helvetica" pitchFamily="2" charset="0"/>
               </a:rPr>
               <a:t>based</a:t>
             </a:r>
             <a:r>
-              <a:rPr lang="it-IT" sz="2400" b="0" i="0" dirty="0">
+              <a:rPr lang="it-IT" sz="2200" b="0" i="0" dirty="0">
                 <a:solidFill>
                   <a:srgbClr val="000000"/>
                 </a:solidFill>
                 <a:effectLst/>
-                <a:latin typeface="inherit"/>
+                <a:latin typeface="Helvetica" pitchFamily="2" charset="0"/>
               </a:rPr>
               <a:t> on the </a:t>
             </a:r>
             <a:r>
-              <a:rPr lang="it-IT" sz="2400" b="0" i="0" dirty="0" err="1">
+              <a:rPr lang="it-IT" sz="2200" b="0" i="0" dirty="0" err="1">
                 <a:solidFill>
                   <a:srgbClr val="000000"/>
                 </a:solidFill>
                 <a:effectLst/>
-                <a:latin typeface="inherit"/>
+                <a:latin typeface="Helvetica" pitchFamily="2" charset="0"/>
               </a:rPr>
               <a:t>relevant</a:t>
             </a:r>
             <a:r>
-              <a:rPr lang="it-IT" sz="2400" b="0" i="0" dirty="0">
+              <a:rPr lang="it-IT" sz="2200" b="0" i="0" dirty="0">
                 <a:solidFill>
                   <a:srgbClr val="000000"/>
                 </a:solidFill>
                 <a:effectLst/>
-                <a:latin typeface="inherit"/>
+                <a:latin typeface="Helvetica" pitchFamily="2" charset="0"/>
               </a:rPr>
               <a:t> </a:t>
             </a:r>
             <a:r>
-              <a:rPr lang="it-IT" sz="2400" b="0" i="0" dirty="0" err="1">
+              <a:rPr lang="it-IT" sz="2200" b="0" i="0" dirty="0" err="1">
                 <a:solidFill>
                   <a:srgbClr val="000000"/>
                 </a:solidFill>
                 <a:effectLst/>
-                <a:latin typeface="inherit"/>
+                <a:latin typeface="Helvetica" pitchFamily="2" charset="0"/>
               </a:rPr>
               <a:t>variables</a:t>
             </a:r>
             <a:r>
-              <a:rPr lang="it-IT" sz="2400" b="0" i="0" dirty="0">
+              <a:rPr lang="it-IT" sz="2200" b="0" i="0" dirty="0">
                 <a:solidFill>
                   <a:srgbClr val="000000"/>
                 </a:solidFill>
                 <a:effectLst/>
-                <a:latin typeface="inherit"/>
+                <a:latin typeface="Helvetica" pitchFamily="2" charset="0"/>
               </a:rPr>
               <a:t>. </a:t>
             </a:r>
             <a:r>
-              <a:rPr lang="it-IT" sz="2400" b="0" i="0" dirty="0" err="1">
+              <a:rPr lang="it-IT" sz="2200" b="0" i="0" dirty="0" err="1">
                 <a:solidFill>
                   <a:srgbClr val="000000"/>
                 </a:solidFill>
                 <a:effectLst/>
-                <a:latin typeface="inherit"/>
+                <a:latin typeface="Helvetica" pitchFamily="2" charset="0"/>
               </a:rPr>
               <a:t>Possibly</a:t>
             </a:r>
             <a:r>
-              <a:rPr lang="it-IT" sz="2400" b="0" i="0" dirty="0">
+              <a:rPr lang="it-IT" sz="2200" b="0" i="0" dirty="0">
                 <a:solidFill>
                   <a:srgbClr val="000000"/>
                 </a:solidFill>
                 <a:effectLst/>
-                <a:latin typeface="inherit"/>
+                <a:latin typeface="Helvetica" pitchFamily="2" charset="0"/>
               </a:rPr>
               <a:t> </a:t>
             </a:r>
             <a:r>
-              <a:rPr lang="it-IT" sz="2400" b="0" i="0" dirty="0" err="1">
+              <a:rPr lang="it-IT" sz="2200" b="0" i="0" dirty="0" err="1">
                 <a:solidFill>
                   <a:srgbClr val="000000"/>
                 </a:solidFill>
                 <a:effectLst/>
-                <a:latin typeface="inherit"/>
+                <a:latin typeface="Helvetica" pitchFamily="2" charset="0"/>
               </a:rPr>
               <a:t>different</a:t>
             </a:r>
             <a:r>
-              <a:rPr lang="it-IT" sz="2400" b="0" i="0" dirty="0">
+              <a:rPr lang="it-IT" sz="2200" b="0" i="0" dirty="0">
                 <a:solidFill>
                   <a:srgbClr val="000000"/>
                 </a:solidFill>
                 <a:effectLst/>
-                <a:latin typeface="inherit"/>
+                <a:latin typeface="Helvetica" pitchFamily="2" charset="0"/>
               </a:rPr>
               <a:t> models for </a:t>
             </a:r>
             <a:r>
-              <a:rPr lang="it-IT" sz="2400" b="0" i="0" dirty="0" err="1">
+              <a:rPr lang="it-IT" sz="2200" b="0" i="0" dirty="0" err="1">
                 <a:solidFill>
                   <a:srgbClr val="000000"/>
                 </a:solidFill>
                 <a:effectLst/>
-                <a:latin typeface="inherit"/>
+                <a:latin typeface="Helvetica" pitchFamily="2" charset="0"/>
               </a:rPr>
               <a:t>males</a:t>
             </a:r>
             <a:r>
-              <a:rPr lang="it-IT" sz="2400" b="0" i="0" dirty="0">
+              <a:rPr lang="it-IT" sz="2200" b="0" i="0" dirty="0">
                 <a:solidFill>
                   <a:srgbClr val="000000"/>
                 </a:solidFill>
                 <a:effectLst/>
-                <a:latin typeface="inherit"/>
+                <a:latin typeface="Helvetica" pitchFamily="2" charset="0"/>
               </a:rPr>
               <a:t> and </a:t>
             </a:r>
             <a:r>
-              <a:rPr lang="it-IT" sz="2400" b="0" i="0" dirty="0" err="1">
+              <a:rPr lang="it-IT" sz="2200" b="0" i="0" dirty="0" err="1">
                 <a:solidFill>
                   <a:srgbClr val="000000"/>
                 </a:solidFill>
                 <a:effectLst/>
-                <a:latin typeface="inherit"/>
+                <a:latin typeface="Helvetica" pitchFamily="2" charset="0"/>
               </a:rPr>
               <a:t>females</a:t>
             </a:r>
-            <a:endParaRPr lang="it-IT" sz="2400" b="0" i="0" dirty="0">
+            <a:endParaRPr lang="it-IT" sz="2200" b="0" i="0" dirty="0">
               <a:solidFill>
                 <a:srgbClr val="000000"/>
               </a:solidFill>
               <a:effectLst/>
-              <a:latin typeface="inherit"/>
+              <a:latin typeface="Helvetica" pitchFamily="2" charset="0"/>
             </a:endParaRPr>
           </a:p>
           <a:p>
             <a:pPr algn="l"/>
-            <a:endParaRPr lang="it-IT" sz="2400" dirty="0">
+            <a:endParaRPr lang="it-IT" sz="2200" dirty="0">
               <a:solidFill>
                 <a:srgbClr val="000000"/>
               </a:solidFill>
-              <a:latin typeface="inherit"/>
+              <a:latin typeface="Helvetica" pitchFamily="2" charset="0"/>
             </a:endParaRPr>
           </a:p>
           <a:p>
@@ -8904,119 +8904,119 @@
               <a:buChar char="•"/>
             </a:pPr>
             <a:r>
-              <a:rPr lang="it-IT" sz="2400" b="1" i="0" dirty="0" err="1">
+              <a:rPr lang="it-IT" sz="2200" b="1" i="0" dirty="0" err="1">
                 <a:solidFill>
                   <a:srgbClr val="105B8F"/>
                 </a:solidFill>
                 <a:effectLst/>
-                <a:latin typeface="Calibri" panose="020F0502020204030204" pitchFamily="34" charset="0"/>
+                <a:latin typeface="Helvetica" pitchFamily="2" charset="0"/>
               </a:rPr>
               <a:t>Permutational</a:t>
             </a:r>
             <a:r>
-              <a:rPr lang="it-IT" sz="2400" b="1" i="0" dirty="0">
+              <a:rPr lang="it-IT" sz="2200" b="1" i="0" dirty="0">
                 <a:solidFill>
                   <a:srgbClr val="105B8F"/>
                 </a:solidFill>
                 <a:effectLst/>
-                <a:latin typeface="Calibri" panose="020F0502020204030204" pitchFamily="34" charset="0"/>
+                <a:latin typeface="Helvetica" pitchFamily="2" charset="0"/>
               </a:rPr>
               <a:t> </a:t>
             </a:r>
             <a:r>
-              <a:rPr lang="it-IT" sz="2400" b="1" i="0" dirty="0" err="1">
+              <a:rPr lang="it-IT" sz="2200" b="1" i="0" dirty="0" err="1">
                 <a:solidFill>
                   <a:srgbClr val="105B8F"/>
                 </a:solidFill>
                 <a:effectLst/>
-                <a:latin typeface="Calibri" panose="020F0502020204030204" pitchFamily="34" charset="0"/>
+                <a:latin typeface="Helvetica" pitchFamily="2" charset="0"/>
               </a:rPr>
               <a:t>tests</a:t>
             </a:r>
             <a:r>
-              <a:rPr lang="it-IT" sz="2400" b="1" i="0" dirty="0">
+              <a:rPr lang="it-IT" sz="2200" b="1" i="0" dirty="0">
                 <a:solidFill>
                   <a:srgbClr val="105B8F"/>
                 </a:solidFill>
                 <a:effectLst/>
-                <a:latin typeface="Calibri" panose="020F0502020204030204" pitchFamily="34" charset="0"/>
+                <a:latin typeface="Helvetica" pitchFamily="2" charset="0"/>
               </a:rPr>
               <a:t> </a:t>
             </a:r>
             <a:r>
-              <a:rPr lang="it-IT" sz="2400" b="0" i="0" dirty="0">
+              <a:rPr lang="it-IT" sz="2200" b="0" i="0" dirty="0">
                 <a:solidFill>
                   <a:srgbClr val="000000"/>
                 </a:solidFill>
                 <a:effectLst/>
-                <a:latin typeface="Calibri" panose="020F0502020204030204" pitchFamily="34" charset="0"/>
+                <a:latin typeface="Helvetica" pitchFamily="2" charset="0"/>
               </a:rPr>
               <a:t>to </a:t>
             </a:r>
             <a:r>
-              <a:rPr lang="it-IT" sz="2400" b="0" i="0" dirty="0" err="1">
+              <a:rPr lang="it-IT" sz="2200" b="0" i="0" dirty="0" err="1">
                 <a:solidFill>
                   <a:srgbClr val="000000"/>
                 </a:solidFill>
                 <a:effectLst/>
-                <a:latin typeface="Calibri" panose="020F0502020204030204" pitchFamily="34" charset="0"/>
+                <a:latin typeface="Helvetica" pitchFamily="2" charset="0"/>
               </a:rPr>
               <a:t>identify</a:t>
             </a:r>
             <a:r>
-              <a:rPr lang="it-IT" sz="2400" b="0" i="0" dirty="0">
+              <a:rPr lang="it-IT" sz="2200" b="0" i="0" dirty="0">
                 <a:solidFill>
                   <a:srgbClr val="000000"/>
                 </a:solidFill>
                 <a:effectLst/>
-                <a:latin typeface="Calibri" panose="020F0502020204030204" pitchFamily="34" charset="0"/>
+                <a:latin typeface="Helvetica" pitchFamily="2" charset="0"/>
               </a:rPr>
               <a:t> </a:t>
             </a:r>
             <a:r>
-              <a:rPr lang="it-IT" sz="2400" dirty="0" err="1">
+              <a:rPr lang="it-IT" sz="2200" dirty="0" err="1">
                 <a:solidFill>
                   <a:srgbClr val="000000"/>
                 </a:solidFill>
-                <a:latin typeface="Calibri" panose="020F0502020204030204" pitchFamily="34" charset="0"/>
+                <a:latin typeface="Helvetica" pitchFamily="2" charset="0"/>
               </a:rPr>
               <a:t>variables</a:t>
             </a:r>
             <a:r>
-              <a:rPr lang="it-IT" sz="2400" dirty="0">
+              <a:rPr lang="it-IT" sz="2200" dirty="0">
                 <a:solidFill>
                   <a:srgbClr val="000000"/>
                 </a:solidFill>
-                <a:latin typeface="Calibri" panose="020F0502020204030204" pitchFamily="34" charset="0"/>
+                <a:latin typeface="Helvetica" pitchFamily="2" charset="0"/>
               </a:rPr>
               <a:t> of </a:t>
             </a:r>
             <a:r>
-              <a:rPr lang="it-IT" sz="2400" dirty="0" err="1">
+              <a:rPr lang="it-IT" sz="2200" dirty="0" err="1">
                 <a:solidFill>
                   <a:srgbClr val="000000"/>
                 </a:solidFill>
-                <a:latin typeface="Calibri" panose="020F0502020204030204" pitchFamily="34" charset="0"/>
+                <a:latin typeface="Helvetica" pitchFamily="2" charset="0"/>
               </a:rPr>
               <a:t>relevance</a:t>
             </a:r>
             <a:r>
-              <a:rPr lang="it-IT" sz="2400" dirty="0">
+              <a:rPr lang="it-IT" sz="2200" dirty="0">
                 <a:solidFill>
                   <a:srgbClr val="000000"/>
                 </a:solidFill>
-                <a:latin typeface="Calibri" panose="020F0502020204030204" pitchFamily="34" charset="0"/>
+                <a:latin typeface="Helvetica" pitchFamily="2" charset="0"/>
               </a:rPr>
               <a:t> to the GAM</a:t>
             </a:r>
           </a:p>
           <a:p>
             <a:pPr algn="l"/>
-            <a:endParaRPr lang="it-IT" sz="2400" dirty="0">
+            <a:endParaRPr lang="it-IT" sz="2200" dirty="0">
               <a:solidFill>
                 <a:srgbClr val="000000"/>
               </a:solidFill>
-              <a:latin typeface="Calibri" panose="020F0502020204030204" pitchFamily="34" charset="0"/>
+              <a:latin typeface="Helvetica" pitchFamily="2" charset="0"/>
             </a:endParaRPr>
           </a:p>
           <a:p>
@@ -9025,304 +9025,304 @@
               <a:buChar char="•"/>
             </a:pPr>
             <a:r>
-              <a:rPr lang="it-IT" sz="2400" b="1" i="0" dirty="0" err="1">
+              <a:rPr lang="it-IT" sz="2200" b="1" i="0" dirty="0" err="1">
                 <a:solidFill>
                   <a:srgbClr val="105B8F"/>
                 </a:solidFill>
                 <a:effectLst/>
-                <a:latin typeface="inherit"/>
+                <a:latin typeface="Helvetica" pitchFamily="2" charset="0"/>
               </a:rPr>
               <a:t>Conformal</a:t>
             </a:r>
             <a:r>
-              <a:rPr lang="it-IT" sz="2400" b="1" i="0" dirty="0">
+              <a:rPr lang="it-IT" sz="2200" b="1" i="0" dirty="0">
                 <a:solidFill>
                   <a:srgbClr val="105B8F"/>
                 </a:solidFill>
                 <a:effectLst/>
-                <a:latin typeface="inherit"/>
+                <a:latin typeface="Helvetica" pitchFamily="2" charset="0"/>
               </a:rPr>
               <a:t> </a:t>
             </a:r>
             <a:r>
-              <a:rPr lang="it-IT" sz="2400" b="1" i="0" dirty="0" err="1">
+              <a:rPr lang="it-IT" sz="2200" b="1" i="0" dirty="0" err="1">
                 <a:solidFill>
                   <a:srgbClr val="105B8F"/>
                 </a:solidFill>
                 <a:effectLst/>
-                <a:latin typeface="inherit"/>
+                <a:latin typeface="Helvetica" pitchFamily="2" charset="0"/>
               </a:rPr>
               <a:t>prediction</a:t>
             </a:r>
             <a:r>
-              <a:rPr lang="it-IT" sz="2400" b="1" i="0" dirty="0">
+              <a:rPr lang="it-IT" sz="2200" b="1" i="0" dirty="0">
                 <a:solidFill>
                   <a:srgbClr val="105B8F"/>
                 </a:solidFill>
                 <a:effectLst/>
-                <a:latin typeface="inherit"/>
+                <a:latin typeface="Helvetica" pitchFamily="2" charset="0"/>
               </a:rPr>
               <a:t> </a:t>
             </a:r>
             <a:r>
-              <a:rPr lang="it-IT" sz="2400" b="1" i="0" dirty="0" err="1">
+              <a:rPr lang="it-IT" sz="2200" b="1" i="0" dirty="0" err="1">
                 <a:solidFill>
                   <a:srgbClr val="105B8F"/>
                 </a:solidFill>
                 <a:effectLst/>
-                <a:latin typeface="inherit"/>
+                <a:latin typeface="Helvetica" pitchFamily="2" charset="0"/>
               </a:rPr>
               <a:t>intervals</a:t>
             </a:r>
             <a:r>
-              <a:rPr lang="it-IT" sz="2400" b="1" i="0" dirty="0">
+              <a:rPr lang="it-IT" sz="2200" b="1" i="0" dirty="0">
                 <a:solidFill>
                   <a:srgbClr val="105B8F"/>
                 </a:solidFill>
                 <a:effectLst/>
-                <a:latin typeface="inherit"/>
+                <a:latin typeface="Helvetica" pitchFamily="2" charset="0"/>
               </a:rPr>
               <a:t> </a:t>
             </a:r>
             <a:r>
-              <a:rPr lang="it-IT" sz="2400" i="0" dirty="0">
+              <a:rPr lang="it-IT" sz="2200" i="0" dirty="0">
                 <a:solidFill>
                   <a:srgbClr val="000000"/>
                 </a:solidFill>
                 <a:effectLst/>
-                <a:latin typeface="inherit"/>
+                <a:latin typeface="Helvetica" pitchFamily="2" charset="0"/>
               </a:rPr>
               <a:t>to </a:t>
             </a:r>
             <a:r>
-              <a:rPr lang="it-IT" sz="2400" i="0" dirty="0" err="1">
+              <a:rPr lang="it-IT" sz="2200" i="0" dirty="0" err="1">
                 <a:solidFill>
                   <a:srgbClr val="000000"/>
                 </a:solidFill>
                 <a:effectLst/>
-                <a:latin typeface="inherit"/>
+                <a:latin typeface="Helvetica" pitchFamily="2" charset="0"/>
               </a:rPr>
               <a:t>predict</a:t>
             </a:r>
             <a:r>
-              <a:rPr lang="it-IT" sz="2400" i="0" dirty="0">
+              <a:rPr lang="it-IT" sz="2200" i="0" dirty="0">
                 <a:solidFill>
                   <a:srgbClr val="000000"/>
                 </a:solidFill>
                 <a:effectLst/>
-                <a:latin typeface="inherit"/>
+                <a:latin typeface="Helvetica" pitchFamily="2" charset="0"/>
               </a:rPr>
               <a:t> </a:t>
             </a:r>
             <a:r>
-              <a:rPr lang="it-IT" sz="2400" b="0" i="0" dirty="0">
+              <a:rPr lang="it-IT" sz="2200" b="0" i="0" dirty="0">
                 <a:solidFill>
                   <a:srgbClr val="000000"/>
                 </a:solidFill>
                 <a:effectLst/>
-                <a:latin typeface="inherit"/>
+                <a:latin typeface="Helvetica" pitchFamily="2" charset="0"/>
               </a:rPr>
               <a:t>the smoking </a:t>
             </a:r>
             <a:r>
-              <a:rPr lang="it-IT" sz="2400" b="0" i="0" dirty="0" err="1">
+              <a:rPr lang="it-IT" sz="2200" b="0" i="0" dirty="0" err="1">
                 <a:solidFill>
                   <a:srgbClr val="000000"/>
                 </a:solidFill>
                 <a:effectLst/>
-                <a:latin typeface="inherit"/>
+                <a:latin typeface="Helvetica" pitchFamily="2" charset="0"/>
               </a:rPr>
               <a:t>tobacco</a:t>
             </a:r>
             <a:r>
-              <a:rPr lang="it-IT" sz="2400" b="0" i="0" dirty="0">
+              <a:rPr lang="it-IT" sz="2200" b="0" i="0" dirty="0">
                 <a:solidFill>
                   <a:srgbClr val="000000"/>
                 </a:solidFill>
                 <a:effectLst/>
-                <a:latin typeface="inherit"/>
+                <a:latin typeface="Helvetica" pitchFamily="2" charset="0"/>
               </a:rPr>
               <a:t> </a:t>
             </a:r>
             <a:r>
-              <a:rPr lang="it-IT" sz="2400" b="0" i="0" dirty="0" err="1">
+              <a:rPr lang="it-IT" sz="2200" b="0" i="0" dirty="0" err="1">
                 <a:solidFill>
                   <a:srgbClr val="000000"/>
                 </a:solidFill>
                 <a:effectLst/>
-                <a:latin typeface="inherit"/>
+                <a:latin typeface="Helvetica" pitchFamily="2" charset="0"/>
               </a:rPr>
               <a:t>prevalence</a:t>
             </a:r>
             <a:r>
-              <a:rPr lang="it-IT" sz="2400" b="0" i="0" dirty="0">
+              <a:rPr lang="it-IT" sz="2200" b="0" i="0" dirty="0">
                 <a:solidFill>
                   <a:srgbClr val="000000"/>
                 </a:solidFill>
                 <a:effectLst/>
-                <a:latin typeface="inherit"/>
+                <a:latin typeface="Helvetica" pitchFamily="2" charset="0"/>
               </a:rPr>
               <a:t> in 2025</a:t>
             </a:r>
             <a:r>
-              <a:rPr lang="it-IT" sz="2400" dirty="0">
+              <a:rPr lang="it-IT" sz="2200" dirty="0">
                 <a:solidFill>
                   <a:srgbClr val="000000"/>
                 </a:solidFill>
-                <a:latin typeface="inherit"/>
+                <a:latin typeface="Helvetica" pitchFamily="2" charset="0"/>
               </a:rPr>
               <a:t> to </a:t>
             </a:r>
             <a:r>
-              <a:rPr lang="it-IT" sz="2400" dirty="0" err="1">
+              <a:rPr lang="it-IT" sz="2200" dirty="0" err="1">
                 <a:solidFill>
                   <a:srgbClr val="000000"/>
                 </a:solidFill>
-                <a:latin typeface="inherit"/>
+                <a:latin typeface="Helvetica" pitchFamily="2" charset="0"/>
               </a:rPr>
               <a:t>see</a:t>
             </a:r>
             <a:r>
-              <a:rPr lang="it-IT" sz="2400" dirty="0">
+              <a:rPr lang="it-IT" sz="2200" dirty="0">
                 <a:solidFill>
                   <a:srgbClr val="000000"/>
                 </a:solidFill>
-                <a:latin typeface="inherit"/>
+                <a:latin typeface="Helvetica" pitchFamily="2" charset="0"/>
               </a:rPr>
               <a:t> </a:t>
             </a:r>
             <a:r>
-              <a:rPr lang="it-IT" sz="2400" dirty="0" err="1">
+              <a:rPr lang="it-IT" sz="2200" dirty="0" err="1">
                 <a:solidFill>
                   <a:srgbClr val="000000"/>
                 </a:solidFill>
-                <a:latin typeface="inherit"/>
+                <a:latin typeface="Helvetica" pitchFamily="2" charset="0"/>
               </a:rPr>
               <a:t>which</a:t>
             </a:r>
             <a:r>
-              <a:rPr lang="it-IT" sz="2400" dirty="0">
+              <a:rPr lang="it-IT" sz="2200" dirty="0">
                 <a:solidFill>
                   <a:srgbClr val="000000"/>
                 </a:solidFill>
-                <a:latin typeface="inherit"/>
+                <a:latin typeface="Helvetica" pitchFamily="2" charset="0"/>
               </a:rPr>
               <a:t> countries </a:t>
             </a:r>
             <a:r>
-              <a:rPr lang="it-IT" sz="2400" dirty="0" err="1">
+              <a:rPr lang="it-IT" sz="2200" dirty="0" err="1">
                 <a:solidFill>
                   <a:srgbClr val="000000"/>
                 </a:solidFill>
-                <a:latin typeface="inherit"/>
+                <a:latin typeface="Helvetica" pitchFamily="2" charset="0"/>
               </a:rPr>
               <a:t>will</a:t>
             </a:r>
             <a:r>
-              <a:rPr lang="it-IT" sz="2400" dirty="0">
+              <a:rPr lang="it-IT" sz="2200" dirty="0">
                 <a:solidFill>
                   <a:srgbClr val="000000"/>
                 </a:solidFill>
-                <a:latin typeface="inherit"/>
+                <a:latin typeface="Helvetica" pitchFamily="2" charset="0"/>
               </a:rPr>
               <a:t> </a:t>
             </a:r>
             <a:r>
-              <a:rPr lang="it-IT" sz="2400" dirty="0" err="1">
+              <a:rPr lang="it-IT" sz="2200" dirty="0" err="1">
                 <a:solidFill>
                   <a:srgbClr val="000000"/>
                 </a:solidFill>
-                <a:latin typeface="inherit"/>
+                <a:latin typeface="Helvetica" pitchFamily="2" charset="0"/>
               </a:rPr>
               <a:t>reach</a:t>
             </a:r>
             <a:r>
-              <a:rPr lang="it-IT" sz="2400" dirty="0">
+              <a:rPr lang="it-IT" sz="2200" dirty="0">
                 <a:solidFill>
                   <a:srgbClr val="000000"/>
                 </a:solidFill>
-                <a:latin typeface="inherit"/>
+                <a:latin typeface="Helvetica" pitchFamily="2" charset="0"/>
               </a:rPr>
               <a:t> SDG3 (</a:t>
             </a:r>
             <a:r>
-              <a:rPr lang="it-IT" sz="2400" dirty="0" err="1">
+              <a:rPr lang="it-IT" sz="2200" dirty="0" err="1">
                 <a:solidFill>
                   <a:srgbClr val="000000"/>
                 </a:solidFill>
-                <a:latin typeface="inherit"/>
+                <a:latin typeface="Helvetica" pitchFamily="2" charset="0"/>
               </a:rPr>
               <a:t>possibly</a:t>
             </a:r>
             <a:r>
-              <a:rPr lang="it-IT" sz="2400" dirty="0">
+              <a:rPr lang="it-IT" sz="2200" dirty="0">
                 <a:solidFill>
                   <a:srgbClr val="000000"/>
                 </a:solidFill>
-                <a:latin typeface="inherit"/>
+                <a:latin typeface="Helvetica" pitchFamily="2" charset="0"/>
               </a:rPr>
               <a:t> quantile-</a:t>
             </a:r>
             <a:r>
-              <a:rPr lang="it-IT" sz="2400" dirty="0" err="1">
+              <a:rPr lang="it-IT" sz="2200" dirty="0" err="1">
                 <a:solidFill>
                   <a:srgbClr val="000000"/>
                 </a:solidFill>
-                <a:latin typeface="inherit"/>
+                <a:latin typeface="Helvetica" pitchFamily="2" charset="0"/>
               </a:rPr>
               <a:t>based</a:t>
             </a:r>
             <a:r>
-              <a:rPr lang="it-IT" sz="2400" dirty="0">
+              <a:rPr lang="it-IT" sz="2200" dirty="0">
                 <a:solidFill>
                   <a:srgbClr val="000000"/>
                 </a:solidFill>
-                <a:latin typeface="inherit"/>
+                <a:latin typeface="Helvetica" pitchFamily="2" charset="0"/>
               </a:rPr>
               <a:t> </a:t>
             </a:r>
             <a:r>
-              <a:rPr lang="it-IT" sz="2400" dirty="0" err="1">
+              <a:rPr lang="it-IT" sz="2200" dirty="0" err="1">
                 <a:solidFill>
                   <a:srgbClr val="000000"/>
                 </a:solidFill>
-                <a:latin typeface="inherit"/>
+                <a:latin typeface="Helvetica" pitchFamily="2" charset="0"/>
               </a:rPr>
               <a:t>conformal</a:t>
             </a:r>
             <a:r>
-              <a:rPr lang="it-IT" sz="2400" dirty="0">
+              <a:rPr lang="it-IT" sz="2200" dirty="0">
                 <a:solidFill>
                   <a:srgbClr val="000000"/>
                 </a:solidFill>
-                <a:latin typeface="inherit"/>
+                <a:latin typeface="Helvetica" pitchFamily="2" charset="0"/>
               </a:rPr>
               <a:t> </a:t>
             </a:r>
             <a:r>
-              <a:rPr lang="it-IT" sz="2400" dirty="0" err="1">
+              <a:rPr lang="it-IT" sz="2200" dirty="0" err="1">
                 <a:solidFill>
                   <a:srgbClr val="000000"/>
                 </a:solidFill>
-                <a:latin typeface="inherit"/>
+                <a:latin typeface="Helvetica" pitchFamily="2" charset="0"/>
               </a:rPr>
               <a:t>prediction</a:t>
             </a:r>
             <a:r>
-              <a:rPr lang="it-IT" sz="2400" dirty="0">
+              <a:rPr lang="it-IT" sz="2200" dirty="0">
                 <a:solidFill>
                   <a:srgbClr val="000000"/>
                 </a:solidFill>
-                <a:latin typeface="inherit"/>
+                <a:latin typeface="Helvetica" pitchFamily="2" charset="0"/>
               </a:rPr>
               <a:t>)</a:t>
             </a:r>
-            <a:endParaRPr lang="it-IT" sz="2400" b="0" i="0" dirty="0">
+            <a:endParaRPr lang="it-IT" sz="2200" b="0" i="0" dirty="0">
               <a:solidFill>
                 <a:srgbClr val="000000"/>
               </a:solidFill>
               <a:effectLst/>
-              <a:latin typeface="Calibri" panose="020F0502020204030204" pitchFamily="34" charset="0"/>
+              <a:latin typeface="Helvetica" pitchFamily="2" charset="0"/>
             </a:endParaRPr>
           </a:p>
         </p:txBody>
@@ -9477,7 +9477,7 @@
         </p:blipFill>
         <p:spPr>
           <a:xfrm>
-            <a:off x="627508" y="1075681"/>
+            <a:off x="627508" y="1278881"/>
             <a:ext cx="201505" cy="330367"/>
           </a:xfrm>
           <a:prstGeom prst="rect">
